--- a/TUBES PBO.pptx
+++ b/TUBES PBO.pptx
@@ -8,14 +8,18 @@
     <p:sldId id="256" r:id="rId2"/>
     <p:sldId id="265" r:id="rId3"/>
     <p:sldId id="257" r:id="rId4"/>
-    <p:sldId id="261" r:id="rId5"/>
-    <p:sldId id="263" r:id="rId6"/>
-    <p:sldId id="266" r:id="rId7"/>
-    <p:sldId id="267" r:id="rId8"/>
+    <p:sldId id="271" r:id="rId5"/>
+    <p:sldId id="273" r:id="rId6"/>
+    <p:sldId id="263" r:id="rId7"/>
+    <p:sldId id="266" r:id="rId8"/>
     <p:sldId id="269" r:id="rId9"/>
-    <p:sldId id="268" r:id="rId10"/>
-    <p:sldId id="270" r:id="rId11"/>
-    <p:sldId id="262" r:id="rId12"/>
+    <p:sldId id="272" r:id="rId10"/>
+    <p:sldId id="268" r:id="rId11"/>
+    <p:sldId id="274" r:id="rId12"/>
+    <p:sldId id="275" r:id="rId13"/>
+    <p:sldId id="276" r:id="rId14"/>
+    <p:sldId id="270" r:id="rId15"/>
+    <p:sldId id="262" r:id="rId16"/>
   </p:sldIdLst>
   <p:sldSz cx="12192000" cy="6858000"/>
   <p:notesSz cx="6858000" cy="9144000"/>
@@ -375,7 +379,7 @@
           </a:lstStyle>
           <a:p>
             <a:r>
-              <a:rPr lang="en-US" smtClean="0"/>
+              <a:rPr lang="en-US"/>
               <a:t>Click to edit Master title style</a:t>
             </a:r>
             <a:endParaRPr lang="en-US" dirty="0"/>
@@ -452,7 +456,7 @@
           </a:lstStyle>
           <a:p>
             <a:r>
-              <a:rPr lang="en-US" smtClean="0"/>
+              <a:rPr lang="en-US"/>
               <a:t>Click to edit Master subtitle style</a:t>
             </a:r>
             <a:endParaRPr lang="en-US" dirty="0"/>
@@ -489,7 +493,7 @@
           <a:p>
             <a:fld id="{78ABE3C1-DBE1-495D-B57B-2849774B866A}" type="datetimeFigureOut">
               <a:rPr lang="en-US" smtClean="0"/>
-              <a:t>1/4/2019</a:t>
+              <a:t>1/8/2019</a:t>
             </a:fld>
             <a:endParaRPr lang="en-US" dirty="0"/>
           </a:p>
@@ -655,7 +659,7 @@
           <a:lstStyle/>
           <a:p>
             <a:r>
-              <a:rPr lang="en-US" smtClean="0"/>
+              <a:rPr lang="en-US"/>
               <a:t>Click to edit Master title style</a:t>
             </a:r>
             <a:endParaRPr lang="en-US" dirty="0"/>
@@ -684,35 +688,35 @@
           <a:p>
             <a:pPr lvl="0"/>
             <a:r>
-              <a:rPr lang="en-US" smtClean="0"/>
+              <a:rPr lang="en-US"/>
               <a:t>Click to edit Master text styles</a:t>
             </a:r>
           </a:p>
           <a:p>
             <a:pPr lvl="1"/>
             <a:r>
-              <a:rPr lang="en-US" smtClean="0"/>
+              <a:rPr lang="en-US"/>
               <a:t>Second level</a:t>
             </a:r>
           </a:p>
           <a:p>
             <a:pPr lvl="2"/>
             <a:r>
-              <a:rPr lang="en-US" smtClean="0"/>
+              <a:rPr lang="en-US"/>
               <a:t>Third level</a:t>
             </a:r>
           </a:p>
           <a:p>
             <a:pPr lvl="3"/>
             <a:r>
-              <a:rPr lang="en-US" smtClean="0"/>
+              <a:rPr lang="en-US"/>
               <a:t>Fourth level</a:t>
             </a:r>
           </a:p>
           <a:p>
             <a:pPr lvl="4"/>
             <a:r>
-              <a:rPr lang="en-US" smtClean="0"/>
+              <a:rPr lang="en-US"/>
               <a:t>Fifth level</a:t>
             </a:r>
             <a:endParaRPr lang="en-US" dirty="0"/>
@@ -736,7 +740,7 @@
           <a:p>
             <a:fld id="{1FA3F48C-C7C6-4055-9F49-3777875E72AE}" type="datetimeFigureOut">
               <a:rPr lang="en-US" smtClean="0"/>
-              <a:t>1/4/2019</a:t>
+              <a:t>1/8/2019</a:t>
             </a:fld>
             <a:endParaRPr lang="en-US" dirty="0"/>
           </a:p>
@@ -1036,7 +1040,7 @@
           </a:lstStyle>
           <a:p>
             <a:r>
-              <a:rPr lang="en-US" smtClean="0"/>
+              <a:rPr lang="en-US"/>
               <a:t>Click to edit Master title style</a:t>
             </a:r>
             <a:endParaRPr lang="en-US" dirty="0"/>
@@ -1065,35 +1069,35 @@
           <a:p>
             <a:pPr lvl="0"/>
             <a:r>
-              <a:rPr lang="en-US" smtClean="0"/>
+              <a:rPr lang="en-US"/>
               <a:t>Click to edit Master text styles</a:t>
             </a:r>
           </a:p>
           <a:p>
             <a:pPr lvl="1"/>
             <a:r>
-              <a:rPr lang="en-US" smtClean="0"/>
+              <a:rPr lang="en-US"/>
               <a:t>Second level</a:t>
             </a:r>
           </a:p>
           <a:p>
             <a:pPr lvl="2"/>
             <a:r>
-              <a:rPr lang="en-US" smtClean="0"/>
+              <a:rPr lang="en-US"/>
               <a:t>Third level</a:t>
             </a:r>
           </a:p>
           <a:p>
             <a:pPr lvl="3"/>
             <a:r>
-              <a:rPr lang="en-US" smtClean="0"/>
+              <a:rPr lang="en-US"/>
               <a:t>Fourth level</a:t>
             </a:r>
           </a:p>
           <a:p>
             <a:pPr lvl="4"/>
             <a:r>
-              <a:rPr lang="en-US" smtClean="0"/>
+              <a:rPr lang="en-US"/>
               <a:t>Fifth level</a:t>
             </a:r>
             <a:endParaRPr lang="en-US" dirty="0"/>
@@ -1122,7 +1126,7 @@
           <a:p>
             <a:fld id="{6178E61D-D431-422C-9764-11DAFE33AB63}" type="datetimeFigureOut">
               <a:rPr lang="en-US" smtClean="0"/>
-              <a:t>1/4/2019</a:t>
+              <a:t>1/8/2019</a:t>
             </a:fld>
             <a:endParaRPr lang="en-US" dirty="0"/>
           </a:p>
@@ -1276,7 +1280,7 @@
           <a:lstStyle/>
           <a:p>
             <a:r>
-              <a:rPr lang="en-US" smtClean="0"/>
+              <a:rPr lang="en-US"/>
               <a:t>Click to edit Master title style</a:t>
             </a:r>
             <a:endParaRPr lang="en-US" dirty="0"/>
@@ -1300,35 +1304,35 @@
           <a:p>
             <a:pPr lvl="0"/>
             <a:r>
-              <a:rPr lang="en-US" smtClean="0"/>
+              <a:rPr lang="en-US"/>
               <a:t>Click to edit Master text styles</a:t>
             </a:r>
           </a:p>
           <a:p>
             <a:pPr lvl="1"/>
             <a:r>
-              <a:rPr lang="en-US" smtClean="0"/>
+              <a:rPr lang="en-US"/>
               <a:t>Second level</a:t>
             </a:r>
           </a:p>
           <a:p>
             <a:pPr lvl="2"/>
             <a:r>
-              <a:rPr lang="en-US" smtClean="0"/>
+              <a:rPr lang="en-US"/>
               <a:t>Third level</a:t>
             </a:r>
           </a:p>
           <a:p>
             <a:pPr lvl="3"/>
             <a:r>
-              <a:rPr lang="en-US" smtClean="0"/>
+              <a:rPr lang="en-US"/>
               <a:t>Fourth level</a:t>
             </a:r>
           </a:p>
           <a:p>
             <a:pPr lvl="4"/>
             <a:r>
-              <a:rPr lang="en-US" smtClean="0"/>
+              <a:rPr lang="en-US"/>
               <a:t>Fifth level</a:t>
             </a:r>
             <a:endParaRPr lang="en-US" dirty="0"/>
@@ -1352,7 +1356,7 @@
           <a:p>
             <a:fld id="{12DE42F4-6EEF-4EF7-8ED4-2208F0F89A08}" type="datetimeFigureOut">
               <a:rPr lang="en-US" smtClean="0"/>
-              <a:t>1/4/2019</a:t>
+              <a:t>1/8/2019</a:t>
             </a:fld>
             <a:endParaRPr lang="en-US" dirty="0"/>
           </a:p>
@@ -1675,7 +1679,7 @@
           </a:lstStyle>
           <a:p>
             <a:r>
-              <a:rPr lang="en-US" smtClean="0"/>
+              <a:rPr lang="en-US"/>
               <a:t>Click to edit Master title style</a:t>
             </a:r>
             <a:endParaRPr lang="en-US" dirty="0"/>
@@ -1804,7 +1808,7 @@
           <a:p>
             <a:pPr lvl="0"/>
             <a:r>
-              <a:rPr lang="en-US" smtClean="0"/>
+              <a:rPr lang="en-US"/>
               <a:t>Click to edit Master text styles</a:t>
             </a:r>
           </a:p>
@@ -1843,7 +1847,7 @@
           <a:p>
             <a:fld id="{30578ACC-22D6-47C1-A373-4FD133E34F3C}" type="datetimeFigureOut">
               <a:rPr lang="en-US" smtClean="0"/>
-              <a:t>1/4/2019</a:t>
+              <a:t>1/8/2019</a:t>
             </a:fld>
             <a:endParaRPr lang="en-US" dirty="0"/>
           </a:p>
@@ -2015,7 +2019,7 @@
           <a:lstStyle/>
           <a:p>
             <a:r>
-              <a:rPr lang="en-US" smtClean="0"/>
+              <a:rPr lang="en-US"/>
               <a:t>Click to edit Master title style</a:t>
             </a:r>
             <a:endParaRPr lang="en-US" dirty="0"/>
@@ -2044,35 +2048,35 @@
           <a:p>
             <a:pPr lvl="0"/>
             <a:r>
-              <a:rPr lang="en-US" smtClean="0"/>
+              <a:rPr lang="en-US"/>
               <a:t>Click to edit Master text styles</a:t>
             </a:r>
           </a:p>
           <a:p>
             <a:pPr lvl="1"/>
             <a:r>
-              <a:rPr lang="en-US" smtClean="0"/>
+              <a:rPr lang="en-US"/>
               <a:t>Second level</a:t>
             </a:r>
           </a:p>
           <a:p>
             <a:pPr lvl="2"/>
             <a:r>
-              <a:rPr lang="en-US" smtClean="0"/>
+              <a:rPr lang="en-US"/>
               <a:t>Third level</a:t>
             </a:r>
           </a:p>
           <a:p>
             <a:pPr lvl="3"/>
             <a:r>
-              <a:rPr lang="en-US" smtClean="0"/>
+              <a:rPr lang="en-US"/>
               <a:t>Fourth level</a:t>
             </a:r>
           </a:p>
           <a:p>
             <a:pPr lvl="4"/>
             <a:r>
-              <a:rPr lang="en-US" smtClean="0"/>
+              <a:rPr lang="en-US"/>
               <a:t>Fifth level</a:t>
             </a:r>
             <a:endParaRPr lang="en-US" dirty="0"/>
@@ -2101,35 +2105,35 @@
           <a:p>
             <a:pPr lvl="0"/>
             <a:r>
-              <a:rPr lang="en-US" smtClean="0"/>
+              <a:rPr lang="en-US"/>
               <a:t>Click to edit Master text styles</a:t>
             </a:r>
           </a:p>
           <a:p>
             <a:pPr lvl="1"/>
             <a:r>
-              <a:rPr lang="en-US" smtClean="0"/>
+              <a:rPr lang="en-US"/>
               <a:t>Second level</a:t>
             </a:r>
           </a:p>
           <a:p>
             <a:pPr lvl="2"/>
             <a:r>
-              <a:rPr lang="en-US" smtClean="0"/>
+              <a:rPr lang="en-US"/>
               <a:t>Third level</a:t>
             </a:r>
           </a:p>
           <a:p>
             <a:pPr lvl="3"/>
             <a:r>
-              <a:rPr lang="en-US" smtClean="0"/>
+              <a:rPr lang="en-US"/>
               <a:t>Fourth level</a:t>
             </a:r>
           </a:p>
           <a:p>
             <a:pPr lvl="4"/>
             <a:r>
-              <a:rPr lang="en-US" smtClean="0"/>
+              <a:rPr lang="en-US"/>
               <a:t>Fifth level</a:t>
             </a:r>
             <a:endParaRPr lang="en-US" dirty="0"/>
@@ -2153,7 +2157,7 @@
           <a:p>
             <a:fld id="{4E5A6C69-6797-4E8A-BF37-F2C3751466E9}" type="datetimeFigureOut">
               <a:rPr lang="en-US" smtClean="0"/>
-              <a:t>1/4/2019</a:t>
+              <a:t>1/8/2019</a:t>
             </a:fld>
             <a:endParaRPr lang="en-US" dirty="0"/>
           </a:p>
@@ -2252,7 +2256,7 @@
           <a:lstStyle/>
           <a:p>
             <a:r>
-              <a:rPr lang="en-US" smtClean="0"/>
+              <a:rPr lang="en-US"/>
               <a:t>Click to edit Master title style</a:t>
             </a:r>
             <a:endParaRPr lang="en-US" dirty="0"/>
@@ -2333,7 +2337,7 @@
           <a:p>
             <a:pPr lvl="0"/>
             <a:r>
-              <a:rPr lang="en-US" smtClean="0"/>
+              <a:rPr lang="en-US"/>
               <a:t>Click to edit Master text styles</a:t>
             </a:r>
           </a:p>
@@ -2361,35 +2365,35 @@
           <a:p>
             <a:pPr lvl="0"/>
             <a:r>
-              <a:rPr lang="en-US" smtClean="0"/>
+              <a:rPr lang="en-US"/>
               <a:t>Click to edit Master text styles</a:t>
             </a:r>
           </a:p>
           <a:p>
             <a:pPr lvl="1"/>
             <a:r>
-              <a:rPr lang="en-US" smtClean="0"/>
+              <a:rPr lang="en-US"/>
               <a:t>Second level</a:t>
             </a:r>
           </a:p>
           <a:p>
             <a:pPr lvl="2"/>
             <a:r>
-              <a:rPr lang="en-US" smtClean="0"/>
+              <a:rPr lang="en-US"/>
               <a:t>Third level</a:t>
             </a:r>
           </a:p>
           <a:p>
             <a:pPr lvl="3"/>
             <a:r>
-              <a:rPr lang="en-US" smtClean="0"/>
+              <a:rPr lang="en-US"/>
               <a:t>Fourth level</a:t>
             </a:r>
           </a:p>
           <a:p>
             <a:pPr lvl="4"/>
             <a:r>
-              <a:rPr lang="en-US" smtClean="0"/>
+              <a:rPr lang="en-US"/>
               <a:t>Fifth level</a:t>
             </a:r>
             <a:endParaRPr lang="en-US" dirty="0"/>
@@ -2464,7 +2468,7 @@
           <a:p>
             <a:pPr lvl="0"/>
             <a:r>
-              <a:rPr lang="en-US" smtClean="0"/>
+              <a:rPr lang="en-US"/>
               <a:t>Click to edit Master text styles</a:t>
             </a:r>
           </a:p>
@@ -2492,35 +2496,35 @@
           <a:p>
             <a:pPr lvl="0"/>
             <a:r>
-              <a:rPr lang="en-US" smtClean="0"/>
+              <a:rPr lang="en-US"/>
               <a:t>Click to edit Master text styles</a:t>
             </a:r>
           </a:p>
           <a:p>
             <a:pPr lvl="1"/>
             <a:r>
-              <a:rPr lang="en-US" smtClean="0"/>
+              <a:rPr lang="en-US"/>
               <a:t>Second level</a:t>
             </a:r>
           </a:p>
           <a:p>
             <a:pPr lvl="2"/>
             <a:r>
-              <a:rPr lang="en-US" smtClean="0"/>
+              <a:rPr lang="en-US"/>
               <a:t>Third level</a:t>
             </a:r>
           </a:p>
           <a:p>
             <a:pPr lvl="3"/>
             <a:r>
-              <a:rPr lang="en-US" smtClean="0"/>
+              <a:rPr lang="en-US"/>
               <a:t>Fourth level</a:t>
             </a:r>
           </a:p>
           <a:p>
             <a:pPr lvl="4"/>
             <a:r>
-              <a:rPr lang="en-US" smtClean="0"/>
+              <a:rPr lang="en-US"/>
               <a:t>Fifth level</a:t>
             </a:r>
             <a:endParaRPr lang="en-US" dirty="0"/>
@@ -2544,7 +2548,7 @@
           <a:p>
             <a:fld id="{D82014A1-A632-4878-A0D3-F52BA7563730}" type="datetimeFigureOut">
               <a:rPr lang="en-US" smtClean="0"/>
-              <a:t>1/4/2019</a:t>
+              <a:t>1/8/2019</a:t>
             </a:fld>
             <a:endParaRPr lang="en-US" dirty="0"/>
           </a:p>
@@ -2638,7 +2642,7 @@
           <a:lstStyle/>
           <a:p>
             <a:r>
-              <a:rPr lang="en-US" smtClean="0"/>
+              <a:rPr lang="en-US"/>
               <a:t>Click to edit Master title style</a:t>
             </a:r>
             <a:endParaRPr lang="en-US" dirty="0"/>
@@ -2662,7 +2666,7 @@
           <a:p>
             <a:fld id="{CE99F462-093F-4566-844B-4C71F2739DA5}" type="datetimeFigureOut">
               <a:rPr lang="en-US" smtClean="0"/>
-              <a:t>1/4/2019</a:t>
+              <a:t>1/8/2019</a:t>
             </a:fld>
             <a:endParaRPr lang="en-US" dirty="0"/>
           </a:p>
@@ -2757,7 +2761,7 @@
           <a:p>
             <a:fld id="{3D24A7AC-904D-4781-85BA-7D10C17ED021}" type="datetimeFigureOut">
               <a:rPr lang="en-US" smtClean="0"/>
-              <a:t>1/4/2019</a:t>
+              <a:t>1/8/2019</a:t>
             </a:fld>
             <a:endParaRPr lang="en-US" dirty="0"/>
           </a:p>
@@ -2865,7 +2869,7 @@
           </a:lstStyle>
           <a:p>
             <a:r>
-              <a:rPr lang="en-US" smtClean="0"/>
+              <a:rPr lang="en-US"/>
               <a:t>Click to edit Master title style</a:t>
             </a:r>
             <a:endParaRPr lang="en-US" dirty="0"/>
@@ -2937,35 +2941,35 @@
           <a:p>
             <a:pPr lvl="0"/>
             <a:r>
-              <a:rPr lang="en-US" smtClean="0"/>
+              <a:rPr lang="en-US"/>
               <a:t>Click to edit Master text styles</a:t>
             </a:r>
           </a:p>
           <a:p>
             <a:pPr lvl="1"/>
             <a:r>
-              <a:rPr lang="en-US" smtClean="0"/>
+              <a:rPr lang="en-US"/>
               <a:t>Second level</a:t>
             </a:r>
           </a:p>
           <a:p>
             <a:pPr lvl="2"/>
             <a:r>
-              <a:rPr lang="en-US" smtClean="0"/>
+              <a:rPr lang="en-US"/>
               <a:t>Third level</a:t>
             </a:r>
           </a:p>
           <a:p>
             <a:pPr lvl="3"/>
             <a:r>
-              <a:rPr lang="en-US" smtClean="0"/>
+              <a:rPr lang="en-US"/>
               <a:t>Fourth level</a:t>
             </a:r>
           </a:p>
           <a:p>
             <a:pPr lvl="4"/>
             <a:r>
-              <a:rPr lang="en-US" smtClean="0"/>
+              <a:rPr lang="en-US"/>
               <a:t>Fifth level</a:t>
             </a:r>
             <a:endParaRPr lang="en-US" dirty="0"/>
@@ -3034,7 +3038,7 @@
           <a:p>
             <a:pPr lvl="0"/>
             <a:r>
-              <a:rPr lang="en-US" smtClean="0"/>
+              <a:rPr lang="en-US"/>
               <a:t>Click to edit Master text styles</a:t>
             </a:r>
           </a:p>
@@ -3057,7 +3061,7 @@
           <a:p>
             <a:fld id="{E331444B-B92B-4E27-8C94-BB93EAF5CB18}" type="datetimeFigureOut">
               <a:rPr lang="en-US" smtClean="0"/>
-              <a:t>1/4/2019</a:t>
+              <a:t>1/8/2019</a:t>
             </a:fld>
             <a:endParaRPr lang="en-US" dirty="0"/>
           </a:p>
@@ -3165,7 +3169,7 @@
           </a:lstStyle>
           <a:p>
             <a:r>
-              <a:rPr lang="en-US" smtClean="0"/>
+              <a:rPr lang="en-US"/>
               <a:t>Click to edit Master title style</a:t>
             </a:r>
             <a:endParaRPr lang="en-US" dirty="0"/>
@@ -3230,7 +3234,7 @@
           </a:lstStyle>
           <a:p>
             <a:r>
-              <a:rPr lang="en-US" smtClean="0"/>
+              <a:rPr lang="en-US"/>
               <a:t>Click icon to add picture</a:t>
             </a:r>
             <a:endParaRPr lang="en-US" dirty="0"/>
@@ -3299,7 +3303,7 @@
           <a:p>
             <a:pPr lvl="0"/>
             <a:r>
-              <a:rPr lang="en-US" smtClean="0"/>
+              <a:rPr lang="en-US"/>
               <a:t>Click to edit Master text styles</a:t>
             </a:r>
           </a:p>
@@ -3322,7 +3326,7 @@
           <a:p>
             <a:fld id="{363EFA5E-FA76-400D-B3DC-F0BA90E6D107}" type="datetimeFigureOut">
               <a:rPr lang="en-US" smtClean="0"/>
-              <a:t>1/4/2019</a:t>
+              <a:t>1/8/2019</a:t>
             </a:fld>
             <a:endParaRPr lang="en-US" dirty="0"/>
           </a:p>
@@ -3634,7 +3638,7 @@
           <a:lstStyle/>
           <a:p>
             <a:r>
-              <a:rPr lang="en-US" smtClean="0"/>
+              <a:rPr lang="en-US"/>
               <a:t>Click to edit Master title style</a:t>
             </a:r>
             <a:endParaRPr lang="en-US" dirty="0"/>
@@ -3668,35 +3672,35 @@
           <a:p>
             <a:pPr lvl="0"/>
             <a:r>
-              <a:rPr lang="en-US" smtClean="0"/>
+              <a:rPr lang="en-US"/>
               <a:t>Click to edit Master text styles</a:t>
             </a:r>
           </a:p>
           <a:p>
             <a:pPr lvl="1"/>
             <a:r>
-              <a:rPr lang="en-US" smtClean="0"/>
+              <a:rPr lang="en-US"/>
               <a:t>Second level</a:t>
             </a:r>
           </a:p>
           <a:p>
             <a:pPr lvl="2"/>
             <a:r>
-              <a:rPr lang="en-US" smtClean="0"/>
+              <a:rPr lang="en-US"/>
               <a:t>Third level</a:t>
             </a:r>
           </a:p>
           <a:p>
             <a:pPr lvl="3"/>
             <a:r>
-              <a:rPr lang="en-US" smtClean="0"/>
+              <a:rPr lang="en-US"/>
               <a:t>Fourth level</a:t>
             </a:r>
           </a:p>
           <a:p>
             <a:pPr lvl="4"/>
             <a:r>
-              <a:rPr lang="en-US" smtClean="0"/>
+              <a:rPr lang="en-US"/>
               <a:t>Fifth level</a:t>
             </a:r>
             <a:endParaRPr lang="en-US" dirty="0"/>
@@ -3740,7 +3744,7 @@
           <a:p>
             <a:fld id="{9D6E9DEC-419B-4CC5-A080-3B06BD5A8291}" type="datetimeFigureOut">
               <a:rPr lang="en-US" smtClean="0"/>
-              <a:t>1/4/2019</a:t>
+              <a:t>1/8/2019</a:t>
             </a:fld>
             <a:endParaRPr lang="en-US" dirty="0"/>
           </a:p>
@@ -4270,7 +4274,7 @@
           <a:lstStyle/>
           <a:p>
             <a:r>
-              <a:rPr lang="en-US" sz="5400" i="0" dirty="0" err="1" smtClean="0">
+              <a:rPr lang="en-US" sz="5400" i="0" dirty="0" err="1">
                 <a:solidFill>
                   <a:schemeClr val="accent1">
                     <a:lumMod val="60000"/>
@@ -4282,19 +4286,19 @@
               <a:t>P</a:t>
             </a:r>
             <a:r>
-              <a:rPr lang="en-US" sz="5400" i="0" dirty="0" err="1" smtClean="0">
+              <a:rPr lang="en-US" sz="5400" i="0" dirty="0" err="1">
                 <a:latin typeface="Arial Black" panose="020B0A04020102020204" pitchFamily="34" charset="0"/>
               </a:rPr>
               <a:t>emrograman</a:t>
             </a:r>
             <a:r>
-              <a:rPr lang="en-US" sz="5400" i="0" dirty="0" smtClean="0">
+              <a:rPr lang="en-US" sz="5400" i="0" dirty="0">
                 <a:latin typeface="Arial Black" panose="020B0A04020102020204" pitchFamily="34" charset="0"/>
               </a:rPr>
               <a:t> </a:t>
             </a:r>
             <a:r>
-              <a:rPr lang="en-US" sz="5400" i="0" dirty="0" err="1" smtClean="0">
+              <a:rPr lang="en-US" sz="5400" i="0" dirty="0" err="1">
                 <a:solidFill>
                   <a:schemeClr val="accent1">
                     <a:lumMod val="60000"/>
@@ -4306,19 +4310,19 @@
               <a:t>b</a:t>
             </a:r>
             <a:r>
-              <a:rPr lang="en-US" sz="5400" i="0" dirty="0" err="1" smtClean="0">
+              <a:rPr lang="en-US" sz="5400" i="0" dirty="0" err="1">
                 <a:latin typeface="Arial Black" panose="020B0A04020102020204" pitchFamily="34" charset="0"/>
               </a:rPr>
               <a:t>erorientasi</a:t>
             </a:r>
             <a:r>
-              <a:rPr lang="en-US" sz="5400" i="0" dirty="0" smtClean="0">
+              <a:rPr lang="en-US" sz="5400" i="0" dirty="0">
                 <a:latin typeface="Arial Black" panose="020B0A04020102020204" pitchFamily="34" charset="0"/>
               </a:rPr>
               <a:t> </a:t>
             </a:r>
             <a:r>
-              <a:rPr lang="en-US" sz="5400" i="0" dirty="0" err="1" smtClean="0">
+              <a:rPr lang="en-US" sz="5400" i="0" dirty="0" err="1">
                 <a:solidFill>
                   <a:schemeClr val="accent1">
                     <a:lumMod val="60000"/>
@@ -4330,7 +4334,7 @@
               <a:t>o</a:t>
             </a:r>
             <a:r>
-              <a:rPr lang="en-US" sz="5400" i="0" dirty="0" err="1" smtClean="0">
+              <a:rPr lang="en-US" sz="5400" i="0" dirty="0" err="1">
                 <a:latin typeface="Arial Black" panose="020B0A04020102020204" pitchFamily="34" charset="0"/>
               </a:rPr>
               <a:t>bjek</a:t>
@@ -4379,13 +4383,6 @@
   <p:clrMapOvr>
     <a:masterClrMapping/>
   </p:clrMapOvr>
-  <p:timing>
-    <p:tnLst>
-      <p:par>
-        <p:cTn id="1" dur="indefinite" restart="never" nodeType="tmRoot"/>
-      </p:par>
-    </p:tnLst>
-  </p:timing>
 </p:sld>
 </file>
 
@@ -4406,55 +4403,110 @@
           <a:chExt cx="0" cy="0"/>
         </a:xfrm>
       </p:grpSpPr>
-      <p:sp>
-        <p:nvSpPr>
-          <p:cNvPr id="2" name="Title 1"/>
-          <p:cNvSpPr>
-            <a:spLocks noGrp="1"/>
-          </p:cNvSpPr>
-          <p:nvPr>
-            <p:ph type="title"/>
-          </p:nvPr>
-        </p:nvSpPr>
+      <p:pic>
+        <p:nvPicPr>
+          <p:cNvPr id="4" name="Picture 3">
+            <a:extLst>
+              <a:ext uri="{FF2B5EF4-FFF2-40B4-BE49-F238E27FC236}">
+                <a16:creationId xmlns:a16="http://schemas.microsoft.com/office/drawing/2014/main" id="{4509A1ED-0428-4013-A98A-780EC0584564}"/>
+              </a:ext>
+            </a:extLst>
+          </p:cNvPr>
+          <p:cNvPicPr>
+            <a:picLocks noChangeAspect="1"/>
+          </p:cNvPicPr>
+          <p:nvPr/>
+        </p:nvPicPr>
+        <p:blipFill>
+          <a:blip r:embed="rId2"/>
+          <a:stretch>
+            <a:fillRect/>
+          </a:stretch>
+        </p:blipFill>
         <p:spPr>
           <a:xfrm>
-            <a:off x="883023" y="2689412"/>
-            <a:ext cx="10237694" cy="1143000"/>
-          </a:xfrm>
-        </p:spPr>
-        <p:txBody>
-          <a:bodyPr/>
+            <a:off x="1643270" y="1111721"/>
+            <a:ext cx="9173817" cy="5238969"/>
+          </a:xfrm>
+          <a:prstGeom prst="rect">
+            <a:avLst/>
+          </a:prstGeom>
+        </p:spPr>
+      </p:pic>
+      <p:sp>
+        <p:nvSpPr>
+          <p:cNvPr id="5" name="TextBox 4">
+            <a:extLst>
+              <a:ext uri="{FF2B5EF4-FFF2-40B4-BE49-F238E27FC236}">
+                <a16:creationId xmlns:a16="http://schemas.microsoft.com/office/drawing/2014/main" id="{04343FC9-902E-49D3-81DF-D7ED7CF89BB9}"/>
+              </a:ext>
+            </a:extLst>
+          </p:cNvPr>
+          <p:cNvSpPr txBox="1"/>
+          <p:nvPr/>
+        </p:nvSpPr>
+        <p:spPr>
+          <a:xfrm>
+            <a:off x="596348" y="530087"/>
+            <a:ext cx="45719" cy="369332"/>
+          </a:xfrm>
+          <a:prstGeom prst="rect">
+            <a:avLst/>
+          </a:prstGeom>
+          <a:noFill/>
+        </p:spPr>
+        <p:txBody>
+          <a:bodyPr wrap="square" rtlCol="0">
+            <a:spAutoFit/>
+          </a:bodyPr>
           <a:lstStyle/>
           <a:p>
-            <a:pPr algn="ctr"/>
-            <a:r>
-              <a:rPr lang="en-US" dirty="0" smtClean="0"/>
-              <a:t>~ </a:t>
-            </a:r>
-            <a:r>
-              <a:rPr lang="en-US" dirty="0" err="1" smtClean="0"/>
-              <a:t>Terima</a:t>
-            </a:r>
-            <a:r>
-              <a:rPr lang="en-US" dirty="0" smtClean="0"/>
-              <a:t> </a:t>
-            </a:r>
-            <a:r>
-              <a:rPr lang="en-US" dirty="0" err="1" smtClean="0"/>
-              <a:t>Kasih</a:t>
-            </a:r>
-            <a:r>
-              <a:rPr lang="en-US" dirty="0" smtClean="0"/>
-              <a:t> ~</a:t>
-            </a:r>
-            <a:endParaRPr lang="en-US" dirty="0"/>
+            <a:endParaRPr lang="id-ID" dirty="0"/>
+          </a:p>
+        </p:txBody>
+      </p:sp>
+      <p:sp>
+        <p:nvSpPr>
+          <p:cNvPr id="6" name="TextBox 5">
+            <a:extLst>
+              <a:ext uri="{FF2B5EF4-FFF2-40B4-BE49-F238E27FC236}">
+                <a16:creationId xmlns:a16="http://schemas.microsoft.com/office/drawing/2014/main" id="{EA980664-E948-467B-BB4C-ACD3B21282E1}"/>
+              </a:ext>
+            </a:extLst>
+          </p:cNvPr>
+          <p:cNvSpPr txBox="1"/>
+          <p:nvPr/>
+        </p:nvSpPr>
+        <p:spPr>
+          <a:xfrm flipH="1">
+            <a:off x="1129551" y="377733"/>
+            <a:ext cx="3781041" cy="523220"/>
+          </a:xfrm>
+          <a:prstGeom prst="rect">
+            <a:avLst/>
+          </a:prstGeom>
+          <a:noFill/>
+        </p:spPr>
+        <p:txBody>
+          <a:bodyPr wrap="square" rtlCol="0">
+            <a:spAutoFit/>
+          </a:bodyPr>
+          <a:lstStyle/>
+          <a:p>
+            <a:r>
+              <a:rPr lang="id-ID" sz="2800" dirty="0">
+                <a:latin typeface="Adobe Gothic Std B" panose="020B0800000000000000" pitchFamily="34" charset="-128"/>
+                <a:ea typeface="Adobe Gothic Std B" panose="020B0800000000000000" pitchFamily="34" charset="-128"/>
+              </a:rPr>
+              <a:t>Implementasi GUI</a:t>
+            </a:r>
           </a:p>
         </p:txBody>
       </p:sp>
     </p:spTree>
     <p:extLst>
       <p:ext uri="{BB962C8B-B14F-4D97-AF65-F5344CB8AC3E}">
-        <p14:creationId xmlns:p14="http://schemas.microsoft.com/office/powerpoint/2010/main" val="1515519283"/>
+        <p14:creationId xmlns:p14="http://schemas.microsoft.com/office/powerpoint/2010/main" val="4110727598"/>
       </p:ext>
     </p:extLst>
   </p:cSld>
@@ -4481,6 +4533,330 @@
           <a:chExt cx="0" cy="0"/>
         </a:xfrm>
       </p:grpSpPr>
+      <p:pic>
+        <p:nvPicPr>
+          <p:cNvPr id="2" name="Picture 1">
+            <a:extLst>
+              <a:ext uri="{FF2B5EF4-FFF2-40B4-BE49-F238E27FC236}">
+                <a16:creationId xmlns:a16="http://schemas.microsoft.com/office/drawing/2014/main" id="{92340CF3-39E3-4895-88E4-700E6D360E9C}"/>
+              </a:ext>
+            </a:extLst>
+          </p:cNvPr>
+          <p:cNvPicPr>
+            <a:picLocks noChangeAspect="1"/>
+          </p:cNvPicPr>
+          <p:nvPr/>
+        </p:nvPicPr>
+        <p:blipFill>
+          <a:blip r:embed="rId2"/>
+          <a:stretch>
+            <a:fillRect/>
+          </a:stretch>
+        </p:blipFill>
+        <p:spPr>
+          <a:xfrm>
+            <a:off x="327991" y="666337"/>
+            <a:ext cx="5957294" cy="3402082"/>
+          </a:xfrm>
+          <a:prstGeom prst="rect">
+            <a:avLst/>
+          </a:prstGeom>
+        </p:spPr>
+      </p:pic>
+      <p:pic>
+        <p:nvPicPr>
+          <p:cNvPr id="3" name="Picture 2">
+            <a:extLst>
+              <a:ext uri="{FF2B5EF4-FFF2-40B4-BE49-F238E27FC236}">
+                <a16:creationId xmlns:a16="http://schemas.microsoft.com/office/drawing/2014/main" id="{C391875C-363A-49A2-BCC9-D979A70AF28B}"/>
+              </a:ext>
+            </a:extLst>
+          </p:cNvPr>
+          <p:cNvPicPr>
+            <a:picLocks noChangeAspect="1"/>
+          </p:cNvPicPr>
+          <p:nvPr/>
+        </p:nvPicPr>
+        <p:blipFill>
+          <a:blip r:embed="rId3"/>
+          <a:stretch>
+            <a:fillRect/>
+          </a:stretch>
+        </p:blipFill>
+        <p:spPr>
+          <a:xfrm>
+            <a:off x="6095999" y="3379240"/>
+            <a:ext cx="5957293" cy="3402081"/>
+          </a:xfrm>
+          <a:prstGeom prst="rect">
+            <a:avLst/>
+          </a:prstGeom>
+        </p:spPr>
+      </p:pic>
+      <p:sp>
+        <p:nvSpPr>
+          <p:cNvPr id="4" name="TextBox 3">
+            <a:extLst>
+              <a:ext uri="{FF2B5EF4-FFF2-40B4-BE49-F238E27FC236}">
+                <a16:creationId xmlns:a16="http://schemas.microsoft.com/office/drawing/2014/main" id="{8C5E2BC3-D00A-41E6-8D92-FFC6C3AD2197}"/>
+              </a:ext>
+            </a:extLst>
+          </p:cNvPr>
+          <p:cNvSpPr txBox="1"/>
+          <p:nvPr/>
+        </p:nvSpPr>
+        <p:spPr>
+          <a:xfrm flipH="1">
+            <a:off x="7278768" y="1967994"/>
+            <a:ext cx="3781041" cy="523220"/>
+          </a:xfrm>
+          <a:prstGeom prst="rect">
+            <a:avLst/>
+          </a:prstGeom>
+          <a:noFill/>
+        </p:spPr>
+        <p:txBody>
+          <a:bodyPr wrap="square" rtlCol="0">
+            <a:spAutoFit/>
+          </a:bodyPr>
+          <a:lstStyle/>
+          <a:p>
+            <a:r>
+              <a:rPr lang="id-ID" sz="2800" dirty="0">
+                <a:latin typeface="Adobe Gothic Std B" panose="020B0800000000000000" pitchFamily="34" charset="-128"/>
+                <a:ea typeface="Adobe Gothic Std B" panose="020B0800000000000000" pitchFamily="34" charset="-128"/>
+              </a:rPr>
+              <a:t>Tambah Data</a:t>
+            </a:r>
+          </a:p>
+        </p:txBody>
+      </p:sp>
+    </p:spTree>
+    <p:extLst>
+      <p:ext uri="{BB962C8B-B14F-4D97-AF65-F5344CB8AC3E}">
+        <p14:creationId xmlns:p14="http://schemas.microsoft.com/office/powerpoint/2010/main" val="862861020"/>
+      </p:ext>
+    </p:extLst>
+  </p:cSld>
+  <p:clrMapOvr>
+    <a:masterClrMapping/>
+  </p:clrMapOvr>
+</p:sld>
+</file>
+
+<file path=ppt/slides/slide12.xml><?xml version="1.0" encoding="utf-8"?>
+<p:sld xmlns:a="http://schemas.openxmlformats.org/drawingml/2006/main" xmlns:r="http://schemas.openxmlformats.org/officeDocument/2006/relationships" xmlns:p="http://schemas.openxmlformats.org/presentationml/2006/main">
+  <p:cSld>
+    <p:spTree>
+      <p:nvGrpSpPr>
+        <p:cNvPr id="1" name=""/>
+        <p:cNvGrpSpPr/>
+        <p:nvPr/>
+      </p:nvGrpSpPr>
+      <p:grpSpPr>
+        <a:xfrm>
+          <a:off x="0" y="0"/>
+          <a:ext cx="0" cy="0"/>
+          <a:chOff x="0" y="0"/>
+          <a:chExt cx="0" cy="0"/>
+        </a:xfrm>
+      </p:grpSpPr>
+      <p:pic>
+        <p:nvPicPr>
+          <p:cNvPr id="4" name="Picture 3">
+            <a:extLst>
+              <a:ext uri="{FF2B5EF4-FFF2-40B4-BE49-F238E27FC236}">
+                <a16:creationId xmlns:a16="http://schemas.microsoft.com/office/drawing/2014/main" id="{D075CC4C-26B5-4CFA-8B3B-7935C7C647D9}"/>
+              </a:ext>
+            </a:extLst>
+          </p:cNvPr>
+          <p:cNvPicPr>
+            <a:picLocks noChangeAspect="1"/>
+          </p:cNvPicPr>
+          <p:nvPr/>
+        </p:nvPicPr>
+        <p:blipFill>
+          <a:blip r:embed="rId2"/>
+          <a:stretch>
+            <a:fillRect/>
+          </a:stretch>
+        </p:blipFill>
+        <p:spPr>
+          <a:xfrm>
+            <a:off x="1484243" y="1196421"/>
+            <a:ext cx="8882270" cy="5072473"/>
+          </a:xfrm>
+          <a:prstGeom prst="rect">
+            <a:avLst/>
+          </a:prstGeom>
+        </p:spPr>
+      </p:pic>
+      <p:sp>
+        <p:nvSpPr>
+          <p:cNvPr id="5" name="TextBox 4">
+            <a:extLst>
+              <a:ext uri="{FF2B5EF4-FFF2-40B4-BE49-F238E27FC236}">
+                <a16:creationId xmlns:a16="http://schemas.microsoft.com/office/drawing/2014/main" id="{6D66EB32-DC9D-4001-A62E-1F73D6D88578}"/>
+              </a:ext>
+            </a:extLst>
+          </p:cNvPr>
+          <p:cNvSpPr txBox="1"/>
+          <p:nvPr/>
+        </p:nvSpPr>
+        <p:spPr>
+          <a:xfrm flipH="1">
+            <a:off x="1129551" y="377733"/>
+            <a:ext cx="3781041" cy="523220"/>
+          </a:xfrm>
+          <a:prstGeom prst="rect">
+            <a:avLst/>
+          </a:prstGeom>
+          <a:noFill/>
+        </p:spPr>
+        <p:txBody>
+          <a:bodyPr wrap="square" rtlCol="0">
+            <a:spAutoFit/>
+          </a:bodyPr>
+          <a:lstStyle/>
+          <a:p>
+            <a:r>
+              <a:rPr lang="id-ID" sz="2800" dirty="0">
+                <a:latin typeface="Adobe Gothic Std B" panose="020B0800000000000000" pitchFamily="34" charset="-128"/>
+                <a:ea typeface="Adobe Gothic Std B" panose="020B0800000000000000" pitchFamily="34" charset="-128"/>
+              </a:rPr>
+              <a:t>Edit</a:t>
+            </a:r>
+          </a:p>
+        </p:txBody>
+      </p:sp>
+    </p:spTree>
+    <p:extLst>
+      <p:ext uri="{BB962C8B-B14F-4D97-AF65-F5344CB8AC3E}">
+        <p14:creationId xmlns:p14="http://schemas.microsoft.com/office/powerpoint/2010/main" val="2540489940"/>
+      </p:ext>
+    </p:extLst>
+  </p:cSld>
+  <p:clrMapOvr>
+    <a:masterClrMapping/>
+  </p:clrMapOvr>
+</p:sld>
+</file>
+
+<file path=ppt/slides/slide13.xml><?xml version="1.0" encoding="utf-8"?>
+<p:sld xmlns:a="http://schemas.openxmlformats.org/drawingml/2006/main" xmlns:r="http://schemas.openxmlformats.org/officeDocument/2006/relationships" xmlns:p="http://schemas.openxmlformats.org/presentationml/2006/main">
+  <p:cSld>
+    <p:spTree>
+      <p:nvGrpSpPr>
+        <p:cNvPr id="1" name=""/>
+        <p:cNvGrpSpPr/>
+        <p:nvPr/>
+      </p:nvGrpSpPr>
+      <p:grpSpPr>
+        <a:xfrm>
+          <a:off x="0" y="0"/>
+          <a:ext cx="0" cy="0"/>
+          <a:chOff x="0" y="0"/>
+          <a:chExt cx="0" cy="0"/>
+        </a:xfrm>
+      </p:grpSpPr>
+      <p:pic>
+        <p:nvPicPr>
+          <p:cNvPr id="2" name="Picture 1">
+            <a:extLst>
+              <a:ext uri="{FF2B5EF4-FFF2-40B4-BE49-F238E27FC236}">
+                <a16:creationId xmlns:a16="http://schemas.microsoft.com/office/drawing/2014/main" id="{1507B251-A767-4E88-B7A1-4B101C12B005}"/>
+              </a:ext>
+            </a:extLst>
+          </p:cNvPr>
+          <p:cNvPicPr>
+            <a:picLocks noChangeAspect="1"/>
+          </p:cNvPicPr>
+          <p:nvPr/>
+        </p:nvPicPr>
+        <p:blipFill>
+          <a:blip r:embed="rId2"/>
+          <a:stretch>
+            <a:fillRect/>
+          </a:stretch>
+        </p:blipFill>
+        <p:spPr>
+          <a:xfrm>
+            <a:off x="1444487" y="1143845"/>
+            <a:ext cx="9001539" cy="5140585"/>
+          </a:xfrm>
+          <a:prstGeom prst="rect">
+            <a:avLst/>
+          </a:prstGeom>
+        </p:spPr>
+      </p:pic>
+      <p:sp>
+        <p:nvSpPr>
+          <p:cNvPr id="3" name="TextBox 2">
+            <a:extLst>
+              <a:ext uri="{FF2B5EF4-FFF2-40B4-BE49-F238E27FC236}">
+                <a16:creationId xmlns:a16="http://schemas.microsoft.com/office/drawing/2014/main" id="{0E4202A6-E677-4094-AEC7-6119C6E964F0}"/>
+              </a:ext>
+            </a:extLst>
+          </p:cNvPr>
+          <p:cNvSpPr txBox="1"/>
+          <p:nvPr/>
+        </p:nvSpPr>
+        <p:spPr>
+          <a:xfrm flipH="1">
+            <a:off x="1129551" y="377733"/>
+            <a:ext cx="3781041" cy="523220"/>
+          </a:xfrm>
+          <a:prstGeom prst="rect">
+            <a:avLst/>
+          </a:prstGeom>
+          <a:noFill/>
+        </p:spPr>
+        <p:txBody>
+          <a:bodyPr wrap="square" rtlCol="0">
+            <a:spAutoFit/>
+          </a:bodyPr>
+          <a:lstStyle/>
+          <a:p>
+            <a:r>
+              <a:rPr lang="id-ID" sz="2800" dirty="0">
+                <a:latin typeface="Adobe Gothic Std B" panose="020B0800000000000000" pitchFamily="34" charset="-128"/>
+                <a:ea typeface="Adobe Gothic Std B" panose="020B0800000000000000" pitchFamily="34" charset="-128"/>
+              </a:rPr>
+              <a:t>Hapus</a:t>
+            </a:r>
+          </a:p>
+        </p:txBody>
+      </p:sp>
+    </p:spTree>
+    <p:extLst>
+      <p:ext uri="{BB962C8B-B14F-4D97-AF65-F5344CB8AC3E}">
+        <p14:creationId xmlns:p14="http://schemas.microsoft.com/office/powerpoint/2010/main" val="2470210920"/>
+      </p:ext>
+    </p:extLst>
+  </p:cSld>
+  <p:clrMapOvr>
+    <a:masterClrMapping/>
+  </p:clrMapOvr>
+</p:sld>
+</file>
+
+<file path=ppt/slides/slide14.xml><?xml version="1.0" encoding="utf-8"?>
+<p:sld xmlns:a="http://schemas.openxmlformats.org/drawingml/2006/main" xmlns:r="http://schemas.openxmlformats.org/officeDocument/2006/relationships" xmlns:p="http://schemas.openxmlformats.org/presentationml/2006/main">
+  <p:cSld>
+    <p:spTree>
+      <p:nvGrpSpPr>
+        <p:cNvPr id="1" name=""/>
+        <p:cNvGrpSpPr/>
+        <p:nvPr/>
+      </p:nvGrpSpPr>
+      <p:grpSpPr>
+        <a:xfrm>
+          <a:off x="0" y="0"/>
+          <a:ext cx="0" cy="0"/>
+          <a:chOff x="0" y="0"/>
+          <a:chExt cx="0" cy="0"/>
+        </a:xfrm>
+      </p:grpSpPr>
       <p:sp>
         <p:nvSpPr>
           <p:cNvPr id="2" name="Title 1"/>
@@ -4493,6 +4869,80 @@
         </p:nvSpPr>
         <p:spPr>
           <a:xfrm>
+            <a:off x="883023" y="2689412"/>
+            <a:ext cx="10237694" cy="1143000"/>
+          </a:xfrm>
+        </p:spPr>
+        <p:txBody>
+          <a:bodyPr/>
+          <a:lstStyle/>
+          <a:p>
+            <a:pPr algn="ctr"/>
+            <a:r>
+              <a:rPr lang="en-US" dirty="0"/>
+              <a:t>~ </a:t>
+            </a:r>
+            <a:r>
+              <a:rPr lang="en-US" dirty="0" err="1"/>
+              <a:t>Terima</a:t>
+            </a:r>
+            <a:r>
+              <a:rPr lang="en-US" dirty="0"/>
+              <a:t> </a:t>
+            </a:r>
+            <a:r>
+              <a:rPr lang="en-US" dirty="0" err="1"/>
+              <a:t>Kasih</a:t>
+            </a:r>
+            <a:r>
+              <a:rPr lang="en-US" dirty="0"/>
+              <a:t> ~</a:t>
+            </a:r>
+          </a:p>
+        </p:txBody>
+      </p:sp>
+    </p:spTree>
+    <p:extLst>
+      <p:ext uri="{BB962C8B-B14F-4D97-AF65-F5344CB8AC3E}">
+        <p14:creationId xmlns:p14="http://schemas.microsoft.com/office/powerpoint/2010/main" val="1515519283"/>
+      </p:ext>
+    </p:extLst>
+  </p:cSld>
+  <p:clrMapOvr>
+    <a:masterClrMapping/>
+  </p:clrMapOvr>
+</p:sld>
+</file>
+
+<file path=ppt/slides/slide15.xml><?xml version="1.0" encoding="utf-8"?>
+<p:sld xmlns:a="http://schemas.openxmlformats.org/drawingml/2006/main" xmlns:r="http://schemas.openxmlformats.org/officeDocument/2006/relationships" xmlns:p="http://schemas.openxmlformats.org/presentationml/2006/main">
+  <p:cSld>
+    <p:spTree>
+      <p:nvGrpSpPr>
+        <p:cNvPr id="1" name=""/>
+        <p:cNvGrpSpPr/>
+        <p:nvPr/>
+      </p:nvGrpSpPr>
+      <p:grpSpPr>
+        <a:xfrm>
+          <a:off x="0" y="0"/>
+          <a:ext cx="0" cy="0"/>
+          <a:chOff x="0" y="0"/>
+          <a:chExt cx="0" cy="0"/>
+        </a:xfrm>
+      </p:grpSpPr>
+      <p:sp>
+        <p:nvSpPr>
+          <p:cNvPr id="2" name="Title 1"/>
+          <p:cNvSpPr>
+            <a:spLocks noGrp="1"/>
+          </p:cNvSpPr>
+          <p:nvPr>
+            <p:ph type="title"/>
+          </p:nvPr>
+        </p:nvSpPr>
+        <p:spPr>
+          <a:xfrm>
             <a:off x="1519518" y="2706193"/>
             <a:ext cx="9332258" cy="467313"/>
           </a:xfrm>
@@ -4509,19 +4959,8 @@
                 <a:latin typeface="+mn-lt"/>
                 <a:ea typeface="Adobe Gothic Std B" panose="020B0800000000000000" pitchFamily="34" charset="-128"/>
               </a:rPr>
-              <a:t>h</a:t>
-            </a:r>
-            <a:r>
-              <a:rPr lang="en-US" sz="2800" i="0" cap="none" dirty="0" smtClean="0">
-                <a:latin typeface="+mn-lt"/>
-                <a:ea typeface="Adobe Gothic Std B" panose="020B0800000000000000" pitchFamily="34" charset="-128"/>
-              </a:rPr>
-              <a:t>ttps://github.com/FajarMaulana123/PBO_Kelompok_6</a:t>
-            </a:r>
-            <a:endParaRPr lang="en-US" sz="2800" i="0" cap="none" dirty="0">
-              <a:latin typeface="+mn-lt"/>
-              <a:ea typeface="Adobe Gothic Std B" panose="020B0800000000000000" pitchFamily="34" charset="-128"/>
-            </a:endParaRPr>
+              <a:t>https://github.com/FajarMaulana123/PBO_Kelompok_6</a:t>
+            </a:r>
           </a:p>
         </p:txBody>
       </p:sp>
@@ -4561,13 +5000,6 @@
   <p:clrMapOvr>
     <a:masterClrMapping/>
   </p:clrMapOvr>
-  <p:timing>
-    <p:tnLst>
-      <p:par>
-        <p:cTn id="1" dur="indefinite" restart="never" nodeType="tmRoot"/>
-      </p:par>
-    </p:tnLst>
-  </p:timing>
 </p:sld>
 </file>
 
@@ -4622,13 +5054,13 @@
               </a:rPr>
             </a:br>
             <a:r>
-              <a:rPr lang="en-US" sz="3600" i="0" dirty="0" smtClean="0">
+              <a:rPr lang="en-US" sz="3600" i="0" dirty="0">
                 <a:latin typeface="Arial Black" panose="020B0A04020102020204" pitchFamily="34" charset="0"/>
               </a:rPr>
               <a:t>					Data </a:t>
             </a:r>
             <a:r>
-              <a:rPr lang="en-US" sz="3600" i="0" dirty="0" err="1" smtClean="0">
+              <a:rPr lang="en-US" sz="3600" i="0" dirty="0" err="1">
                 <a:latin typeface="Arial Black" panose="020B0A04020102020204" pitchFamily="34" charset="0"/>
               </a:rPr>
               <a:t>Karyawan</a:t>
@@ -4660,11 +5092,11 @@
           <a:lstStyle/>
           <a:p>
             <a:r>
-              <a:rPr lang="en-US" sz="3600" dirty="0" err="1" smtClean="0"/>
+              <a:rPr lang="en-US" sz="3600" dirty="0" err="1"/>
               <a:t>Kelompok</a:t>
             </a:r>
             <a:r>
-              <a:rPr lang="en-US" sz="3600" dirty="0" smtClean="0"/>
+              <a:rPr lang="en-US" sz="3600" dirty="0"/>
               <a:t> 6</a:t>
             </a:r>
           </a:p>
@@ -4673,34 +5105,26 @@
           </a:p>
           <a:p>
             <a:r>
-              <a:rPr lang="en-US" sz="2600" dirty="0" err="1" smtClean="0"/>
+              <a:rPr lang="en-US" sz="2600" dirty="0" err="1"/>
               <a:t>Fajar</a:t>
             </a:r>
             <a:r>
-              <a:rPr lang="en-US" sz="2600" dirty="0" smtClean="0"/>
+              <a:rPr lang="en-US" sz="2600" dirty="0"/>
               <a:t> </a:t>
             </a:r>
             <a:r>
-              <a:rPr lang="en-US" sz="2600" dirty="0" err="1" smtClean="0"/>
+              <a:rPr lang="en-US" sz="2600" dirty="0" err="1"/>
               <a:t>Maulana</a:t>
             </a:r>
             <a:r>
               <a:rPr lang="en-US" sz="2600" i="0" dirty="0"/>
-              <a:t>	</a:t>
-            </a:r>
-            <a:r>
-              <a:rPr lang="en-US" sz="2600" i="0" dirty="0" smtClean="0"/>
-              <a:t>		(1703033)</a:t>
-            </a:r>
-            <a:r>
-              <a:rPr lang="en-US" sz="2600" i="0" dirty="0"/>
-              <a:t>		</a:t>
+              <a:t>			(1703033)		</a:t>
             </a:r>
             <a:br>
               <a:rPr lang="en-US" sz="2600" i="0" dirty="0"/>
             </a:br>
             <a:r>
-              <a:rPr lang="en-US" sz="2600" dirty="0" smtClean="0"/>
+              <a:rPr lang="en-US" sz="2600" dirty="0"/>
               <a:t>Muhammad </a:t>
             </a:r>
             <a:r>
@@ -4721,15 +5145,7 @@
             </a:r>
             <a:r>
               <a:rPr lang="en-US" sz="2600" i="0" dirty="0"/>
-              <a:t>(</a:t>
-            </a:r>
-            <a:r>
-              <a:rPr lang="en-US" sz="2600" i="0" dirty="0" smtClean="0"/>
-              <a:t>1703043)</a:t>
-            </a:r>
-            <a:r>
-              <a:rPr lang="en-US" sz="2600" i="0" dirty="0"/>
-              <a:t>	</a:t>
+              <a:t>(1703043)	</a:t>
             </a:r>
             <a:r>
               <a:rPr lang="en-US" sz="2600" dirty="0"/>
@@ -4739,7 +5155,7 @@
               <a:rPr lang="en-US" sz="2600" dirty="0"/>
             </a:br>
             <a:r>
-              <a:rPr lang="en-US" sz="2600" dirty="0" smtClean="0"/>
+              <a:rPr lang="en-US" sz="2600" dirty="0"/>
               <a:t>Rama </a:t>
             </a:r>
             <a:r>
@@ -4748,23 +5164,11 @@
             </a:r>
             <a:r>
               <a:rPr lang="en-US" sz="2600" dirty="0"/>
-              <a:t>	</a:t>
-            </a:r>
-            <a:r>
-              <a:rPr lang="en-US" sz="2600" dirty="0" smtClean="0"/>
-              <a:t>		</a:t>
+              <a:t>			</a:t>
             </a:r>
             <a:r>
               <a:rPr lang="en-US" sz="2600" i="0" dirty="0"/>
-              <a:t>(</a:t>
-            </a:r>
-            <a:r>
-              <a:rPr lang="en-US" sz="2600" i="0" dirty="0" smtClean="0"/>
-              <a:t>1703049)</a:t>
-            </a:r>
-            <a:r>
-              <a:rPr lang="en-US" sz="2600" i="0" dirty="0"/>
-              <a:t>	</a:t>
+              <a:t>(1703049)	</a:t>
             </a:r>
             <a:r>
               <a:rPr lang="en-US" sz="2600" dirty="0"/>
@@ -4774,7 +5178,7 @@
               <a:rPr lang="en-US" sz="2600" dirty="0"/>
             </a:br>
             <a:r>
-              <a:rPr lang="en-US" sz="2600" dirty="0" smtClean="0"/>
+              <a:rPr lang="en-US" sz="2600" dirty="0"/>
               <a:t>Rina </a:t>
             </a:r>
             <a:r>
@@ -4783,38 +5187,24 @@
             </a:r>
             <a:r>
               <a:rPr lang="en-US" sz="2600" dirty="0"/>
-              <a:t>	</a:t>
-            </a:r>
-            <a:r>
-              <a:rPr lang="en-US" sz="2600" dirty="0" smtClean="0"/>
-              <a:t>		</a:t>
+              <a:t>			</a:t>
             </a:r>
             <a:r>
               <a:rPr lang="en-US" sz="2600" i="0" dirty="0"/>
-              <a:t>(</a:t>
-            </a:r>
-            <a:r>
-              <a:rPr lang="en-US" sz="2600" i="0" dirty="0" smtClean="0"/>
-              <a:t>1703045)</a:t>
+              <a:t>(1703045)</a:t>
             </a:r>
             <a:r>
               <a:rPr lang="en-US" sz="2600" i="0" dirty="0">
                 <a:latin typeface="Franklin Gothic Book" panose="020B0503020102020204" pitchFamily="34" charset="0"/>
               </a:rPr>
               <a:t>			</a:t>
-            </a:r>
-            <a:r>
-              <a:rPr lang="en-US" sz="2600" dirty="0">
-                <a:latin typeface="Franklin Gothic Book" panose="020B0503020102020204" pitchFamily="34" charset="0"/>
-              </a:rPr>
-              <a:t/>
             </a:r>
             <a:br>
               <a:rPr lang="en-US" sz="2600" dirty="0">
                 <a:latin typeface="Franklin Gothic Book" panose="020B0503020102020204" pitchFamily="34" charset="0"/>
               </a:rPr>
             </a:br>
-            <a:endParaRPr lang="en-US" sz="2600" dirty="0" smtClean="0"/>
+            <a:endParaRPr lang="en-US" sz="2600" dirty="0"/>
           </a:p>
           <a:p>
             <a:endParaRPr lang="en-US" dirty="0"/>
@@ -4955,15 +5345,15 @@
           <a:lstStyle/>
           <a:p>
             <a:r>
-              <a:rPr lang="en-US" dirty="0" err="1" smtClean="0"/>
+              <a:rPr lang="en-US" dirty="0" err="1"/>
               <a:t>Deskripsi</a:t>
             </a:r>
             <a:r>
-              <a:rPr lang="en-US" dirty="0" smtClean="0"/>
+              <a:rPr lang="en-US" dirty="0"/>
               <a:t> </a:t>
             </a:r>
             <a:r>
-              <a:rPr lang="en-US" dirty="0" err="1" smtClean="0"/>
+              <a:rPr lang="en-US" dirty="0" err="1"/>
               <a:t>Aplikasi</a:t>
             </a:r>
             <a:endParaRPr lang="en-US" dirty="0"/>
@@ -4989,7 +5379,7 @@
               <a:buNone/>
             </a:pPr>
             <a:r>
-              <a:rPr lang="en-US" dirty="0" smtClean="0">
+              <a:rPr lang="en-US" dirty="0">
                 <a:solidFill>
                   <a:schemeClr val="tx1"/>
                 </a:solidFill>
@@ -5001,7 +5391,7 @@
               <a:t>	</a:t>
             </a:r>
             <a:r>
-              <a:rPr lang="en-US" dirty="0" err="1" smtClean="0">
+              <a:rPr lang="en-US" sz="2400" dirty="0" err="1">
                 <a:solidFill>
                   <a:schemeClr val="tx1"/>
                 </a:solidFill>
@@ -5013,7 +5403,7 @@
               <a:t>Aplikasi</a:t>
             </a:r>
             <a:r>
-              <a:rPr lang="en-US" dirty="0" smtClean="0">
+              <a:rPr lang="en-US" sz="2400" dirty="0">
                 <a:solidFill>
                   <a:schemeClr val="tx1"/>
                 </a:solidFill>
@@ -5022,10 +5412,10 @@
                 <a:cs typeface="Sniglet"/>
                 <a:sym typeface="Sniglet"/>
               </a:rPr>
-              <a:t> </a:t>
-            </a:r>
-            <a:r>
-              <a:rPr lang="en-US" dirty="0">
+              <a:t> yang kami </a:t>
+            </a:r>
+            <a:r>
+              <a:rPr lang="en-US" sz="2400" dirty="0" err="1">
                 <a:solidFill>
                   <a:schemeClr val="tx1"/>
                 </a:solidFill>
@@ -5034,10 +5424,10 @@
                 <a:cs typeface="Sniglet"/>
                 <a:sym typeface="Sniglet"/>
               </a:rPr>
-              <a:t>yang kami </a:t>
-            </a:r>
-            <a:r>
-              <a:rPr lang="en-US" dirty="0" err="1">
+              <a:t>buat</a:t>
+            </a:r>
+            <a:r>
+              <a:rPr lang="en-US" sz="2400" dirty="0">
                 <a:solidFill>
                   <a:schemeClr val="tx1"/>
                 </a:solidFill>
@@ -5046,10 +5436,10 @@
                 <a:cs typeface="Sniglet"/>
                 <a:sym typeface="Sniglet"/>
               </a:rPr>
-              <a:t>buat</a:t>
-            </a:r>
-            <a:r>
-              <a:rPr lang="en-US" dirty="0">
+              <a:t> </a:t>
+            </a:r>
+            <a:r>
+              <a:rPr lang="en-US" sz="2400" dirty="0" err="1">
                 <a:solidFill>
                   <a:schemeClr val="tx1"/>
                 </a:solidFill>
@@ -5058,10 +5448,10 @@
                 <a:cs typeface="Sniglet"/>
                 <a:sym typeface="Sniglet"/>
               </a:rPr>
-              <a:t> </a:t>
-            </a:r>
-            <a:r>
-              <a:rPr lang="en-US" dirty="0" err="1" smtClean="0">
+              <a:t>diprojek</a:t>
+            </a:r>
+            <a:r>
+              <a:rPr lang="en-US" sz="2400" dirty="0">
                 <a:solidFill>
                   <a:schemeClr val="tx1"/>
                 </a:solidFill>
@@ -5070,10 +5460,10 @@
                 <a:cs typeface="Sniglet"/>
                 <a:sym typeface="Sniglet"/>
               </a:rPr>
-              <a:t>diprojek</a:t>
-            </a:r>
-            <a:r>
-              <a:rPr lang="en-US" dirty="0" smtClean="0">
+              <a:t> </a:t>
+            </a:r>
+            <a:r>
+              <a:rPr lang="en-US" sz="2400" dirty="0" err="1">
                 <a:solidFill>
                   <a:schemeClr val="tx1"/>
                 </a:solidFill>
@@ -5082,10 +5472,10 @@
                 <a:cs typeface="Sniglet"/>
                 <a:sym typeface="Sniglet"/>
               </a:rPr>
-              <a:t> </a:t>
-            </a:r>
-            <a:r>
-              <a:rPr lang="en-US" dirty="0" err="1" smtClean="0">
+              <a:t>tugas</a:t>
+            </a:r>
+            <a:r>
+              <a:rPr lang="en-US" sz="2400" dirty="0">
                 <a:solidFill>
                   <a:schemeClr val="tx1"/>
                 </a:solidFill>
@@ -5094,10 +5484,10 @@
                 <a:cs typeface="Sniglet"/>
                 <a:sym typeface="Sniglet"/>
               </a:rPr>
-              <a:t>tugas</a:t>
-            </a:r>
-            <a:r>
-              <a:rPr lang="en-US" dirty="0" smtClean="0">
+              <a:t> </a:t>
+            </a:r>
+            <a:r>
+              <a:rPr lang="en-US" sz="2400" dirty="0" err="1">
                 <a:solidFill>
                   <a:schemeClr val="tx1"/>
                 </a:solidFill>
@@ -5106,10 +5496,10 @@
                 <a:cs typeface="Sniglet"/>
                 <a:sym typeface="Sniglet"/>
               </a:rPr>
-              <a:t> </a:t>
-            </a:r>
-            <a:r>
-              <a:rPr lang="en-US" dirty="0" err="1" smtClean="0">
+              <a:t>besar</a:t>
+            </a:r>
+            <a:r>
+              <a:rPr lang="en-US" sz="2400" dirty="0">
                 <a:solidFill>
                   <a:schemeClr val="tx1"/>
                 </a:solidFill>
@@ -5118,10 +5508,10 @@
                 <a:cs typeface="Sniglet"/>
                 <a:sym typeface="Sniglet"/>
               </a:rPr>
-              <a:t>besar</a:t>
-            </a:r>
-            <a:r>
-              <a:rPr lang="en-US" dirty="0" smtClean="0">
+              <a:t> PBO </a:t>
+            </a:r>
+            <a:r>
+              <a:rPr lang="en-US" sz="2400" dirty="0" err="1">
                 <a:solidFill>
                   <a:schemeClr val="tx1"/>
                 </a:solidFill>
@@ -5130,10 +5520,10 @@
                 <a:cs typeface="Sniglet"/>
                 <a:sym typeface="Sniglet"/>
               </a:rPr>
-              <a:t> PBO </a:t>
-            </a:r>
-            <a:r>
-              <a:rPr lang="en-US" dirty="0" err="1" smtClean="0">
+              <a:t>ini</a:t>
+            </a:r>
+            <a:r>
+              <a:rPr lang="en-US" sz="2400" dirty="0">
                 <a:solidFill>
                   <a:schemeClr val="tx1"/>
                 </a:solidFill>
@@ -5142,10 +5532,10 @@
                 <a:cs typeface="Sniglet"/>
                 <a:sym typeface="Sniglet"/>
               </a:rPr>
-              <a:t>ini</a:t>
-            </a:r>
-            <a:r>
-              <a:rPr lang="en-US" dirty="0" smtClean="0">
+              <a:t> </a:t>
+            </a:r>
+            <a:r>
+              <a:rPr lang="en-US" sz="2400" dirty="0" err="1">
                 <a:solidFill>
                   <a:schemeClr val="tx1"/>
                 </a:solidFill>
@@ -5154,10 +5544,10 @@
                 <a:cs typeface="Sniglet"/>
                 <a:sym typeface="Sniglet"/>
               </a:rPr>
-              <a:t> </a:t>
-            </a:r>
-            <a:r>
-              <a:rPr lang="en-US" dirty="0" err="1" smtClean="0">
+              <a:t>adalah</a:t>
+            </a:r>
+            <a:r>
+              <a:rPr lang="en-US" sz="2400" dirty="0">
                 <a:solidFill>
                   <a:schemeClr val="tx1"/>
                 </a:solidFill>
@@ -5166,10 +5556,10 @@
                 <a:cs typeface="Sniglet"/>
                 <a:sym typeface="Sniglet"/>
               </a:rPr>
-              <a:t>adalah</a:t>
-            </a:r>
-            <a:r>
-              <a:rPr lang="en-US" dirty="0" smtClean="0">
+              <a:t> </a:t>
+            </a:r>
+            <a:r>
+              <a:rPr lang="id-ID" sz="2400" dirty="0">
                 <a:solidFill>
                   <a:schemeClr val="tx1"/>
                 </a:solidFill>
@@ -5178,10 +5568,10 @@
                 <a:cs typeface="Sniglet"/>
                 <a:sym typeface="Sniglet"/>
               </a:rPr>
-              <a:t> data </a:t>
-            </a:r>
-            <a:r>
-              <a:rPr lang="en-US" dirty="0" err="1" smtClean="0">
+              <a:t>aplikasi berbasis dekstop yaitu tentang D</a:t>
+            </a:r>
+            <a:r>
+              <a:rPr lang="en-US" sz="2400" dirty="0" err="1">
                 <a:solidFill>
                   <a:schemeClr val="tx1"/>
                 </a:solidFill>
@@ -5190,10 +5580,10 @@
                 <a:cs typeface="Sniglet"/>
                 <a:sym typeface="Sniglet"/>
               </a:rPr>
-              <a:t>karyawan</a:t>
-            </a:r>
-            <a:r>
-              <a:rPr lang="en-US" dirty="0" smtClean="0">
+              <a:t>ata</a:t>
+            </a:r>
+            <a:r>
+              <a:rPr lang="en-US" sz="2400" dirty="0">
                 <a:solidFill>
                   <a:schemeClr val="tx1"/>
                 </a:solidFill>
@@ -5202,10 +5592,10 @@
                 <a:cs typeface="Sniglet"/>
                 <a:sym typeface="Sniglet"/>
               </a:rPr>
-              <a:t>. </a:t>
-            </a:r>
-            <a:r>
-              <a:rPr lang="en-US" dirty="0" err="1" smtClean="0">
+              <a:t> </a:t>
+            </a:r>
+            <a:r>
+              <a:rPr lang="id-ID" sz="2400" dirty="0">
                 <a:solidFill>
                   <a:schemeClr val="tx1"/>
                 </a:solidFill>
@@ -5214,10 +5604,10 @@
                 <a:cs typeface="Sniglet"/>
                 <a:sym typeface="Sniglet"/>
               </a:rPr>
-              <a:t>Dimana</a:t>
-            </a:r>
-            <a:r>
-              <a:rPr lang="en-US" dirty="0" smtClean="0">
+              <a:t>K</a:t>
+            </a:r>
+            <a:r>
+              <a:rPr lang="en-US" sz="2400" dirty="0" err="1">
                 <a:solidFill>
                   <a:schemeClr val="tx1"/>
                 </a:solidFill>
@@ -5226,10 +5616,10 @@
                 <a:cs typeface="Sniglet"/>
                 <a:sym typeface="Sniglet"/>
               </a:rPr>
-              <a:t> </a:t>
-            </a:r>
-            <a:r>
-              <a:rPr lang="en-US" dirty="0" err="1">
+              <a:t>aryawan</a:t>
+            </a:r>
+            <a:r>
+              <a:rPr lang="en-US" sz="2400" dirty="0">
                 <a:solidFill>
                   <a:schemeClr val="tx1"/>
                 </a:solidFill>
@@ -5238,10 +5628,10 @@
                 <a:cs typeface="Sniglet"/>
                 <a:sym typeface="Sniglet"/>
               </a:rPr>
-              <a:t>d</a:t>
-            </a:r>
-            <a:r>
-              <a:rPr lang="en-US" dirty="0" err="1" smtClean="0">
+              <a:t>. </a:t>
+            </a:r>
+            <a:r>
+              <a:rPr lang="en-US" sz="2400" dirty="0" err="1">
                 <a:solidFill>
                   <a:schemeClr val="tx1"/>
                 </a:solidFill>
@@ -5250,10 +5640,10 @@
                 <a:cs typeface="Sniglet"/>
                 <a:sym typeface="Sniglet"/>
               </a:rPr>
-              <a:t>idalamnya</a:t>
-            </a:r>
-            <a:r>
-              <a:rPr lang="en-US" dirty="0" smtClean="0">
+              <a:t>Dimana</a:t>
+            </a:r>
+            <a:r>
+              <a:rPr lang="en-US" sz="2400" dirty="0">
                 <a:solidFill>
                   <a:schemeClr val="tx1"/>
                 </a:solidFill>
@@ -5265,7 +5655,7 @@
               <a:t> </a:t>
             </a:r>
             <a:r>
-              <a:rPr lang="en-US" dirty="0" err="1" smtClean="0">
+              <a:rPr lang="en-US" sz="2400" dirty="0" err="1">
                 <a:solidFill>
                   <a:schemeClr val="tx1"/>
                 </a:solidFill>
@@ -5274,10 +5664,10 @@
                 <a:cs typeface="Sniglet"/>
                 <a:sym typeface="Sniglet"/>
               </a:rPr>
-              <a:t>dapat</a:t>
-            </a:r>
-            <a:r>
-              <a:rPr lang="en-US" dirty="0" smtClean="0">
+              <a:t>didalamnya</a:t>
+            </a:r>
+            <a:r>
+              <a:rPr lang="en-US" sz="2400" dirty="0">
                 <a:solidFill>
                   <a:schemeClr val="tx1"/>
                 </a:solidFill>
@@ -5289,7 +5679,7 @@
               <a:t> </a:t>
             </a:r>
             <a:r>
-              <a:rPr lang="en-US" dirty="0" err="1">
+              <a:rPr lang="en-US" sz="2400" dirty="0" err="1">
                 <a:solidFill>
                   <a:schemeClr val="tx1"/>
                 </a:solidFill>
@@ -5298,10 +5688,10 @@
                 <a:cs typeface="Sniglet"/>
                 <a:sym typeface="Sniglet"/>
               </a:rPr>
-              <a:t>menginputkan</a:t>
-            </a:r>
-            <a:r>
-              <a:rPr lang="en-US" dirty="0">
+              <a:t>dapat</a:t>
+            </a:r>
+            <a:r>
+              <a:rPr lang="en-US" sz="2400" dirty="0">
                 <a:solidFill>
                   <a:schemeClr val="tx1"/>
                 </a:solidFill>
@@ -5313,7 +5703,7 @@
               <a:t> </a:t>
             </a:r>
             <a:r>
-              <a:rPr lang="en-US" dirty="0" err="1">
+              <a:rPr lang="en-US" sz="2400" dirty="0" err="1">
                 <a:solidFill>
                   <a:schemeClr val="tx1"/>
                 </a:solidFill>
@@ -5322,10 +5712,10 @@
                 <a:cs typeface="Sniglet"/>
                 <a:sym typeface="Sniglet"/>
               </a:rPr>
-              <a:t>atau</a:t>
-            </a:r>
-            <a:r>
-              <a:rPr lang="en-US" dirty="0">
+              <a:t>menginputkan</a:t>
+            </a:r>
+            <a:r>
+              <a:rPr lang="en-US" sz="2400" dirty="0">
                 <a:solidFill>
                   <a:schemeClr val="tx1"/>
                 </a:solidFill>
@@ -5337,7 +5727,7 @@
               <a:t> </a:t>
             </a:r>
             <a:r>
-              <a:rPr lang="en-US" dirty="0" err="1" smtClean="0">
+              <a:rPr lang="en-US" sz="2400" dirty="0" err="1">
                 <a:solidFill>
                   <a:schemeClr val="tx1"/>
                 </a:solidFill>
@@ -5346,10 +5736,10 @@
                 <a:cs typeface="Sniglet"/>
                 <a:sym typeface="Sniglet"/>
               </a:rPr>
-              <a:t>mengisi</a:t>
-            </a:r>
-            <a:r>
-              <a:rPr lang="en-US" dirty="0" smtClean="0">
+              <a:t>atau</a:t>
+            </a:r>
+            <a:r>
+              <a:rPr lang="en-US" sz="2400" dirty="0">
                 <a:solidFill>
                   <a:schemeClr val="tx1"/>
                 </a:solidFill>
@@ -5358,10 +5748,10 @@
                 <a:cs typeface="Sniglet"/>
                 <a:sym typeface="Sniglet"/>
               </a:rPr>
-              <a:t> data </a:t>
-            </a:r>
-            <a:r>
-              <a:rPr lang="en-US" dirty="0" err="1" smtClean="0">
+              <a:t> </a:t>
+            </a:r>
+            <a:r>
+              <a:rPr lang="en-US" sz="2400" dirty="0" err="1">
                 <a:solidFill>
                   <a:schemeClr val="tx1"/>
                 </a:solidFill>
@@ -5370,10 +5760,10 @@
                 <a:cs typeface="Sniglet"/>
                 <a:sym typeface="Sniglet"/>
               </a:rPr>
-              <a:t>karyawan</a:t>
-            </a:r>
-            <a:r>
-              <a:rPr lang="en-US" dirty="0" smtClean="0">
+              <a:t>mengisi</a:t>
+            </a:r>
+            <a:r>
+              <a:rPr lang="en-US" sz="2400" dirty="0">
                 <a:solidFill>
                   <a:schemeClr val="tx1"/>
                 </a:solidFill>
@@ -5382,10 +5772,10 @@
                 <a:cs typeface="Sniglet"/>
                 <a:sym typeface="Sniglet"/>
               </a:rPr>
-              <a:t> </a:t>
-            </a:r>
-            <a:r>
-              <a:rPr lang="en-US" dirty="0" err="1" smtClean="0">
+              <a:t> data </a:t>
+            </a:r>
+            <a:r>
+              <a:rPr lang="en-US" sz="2400" dirty="0" err="1">
                 <a:solidFill>
                   <a:schemeClr val="tx1"/>
                 </a:solidFill>
@@ -5394,10 +5784,10 @@
                 <a:cs typeface="Sniglet"/>
                 <a:sym typeface="Sniglet"/>
               </a:rPr>
-              <a:t>seperti</a:t>
-            </a:r>
-            <a:r>
-              <a:rPr lang="en-US" dirty="0" smtClean="0">
+              <a:t>karyawan</a:t>
+            </a:r>
+            <a:r>
+              <a:rPr lang="en-US" sz="2400" dirty="0">
                 <a:solidFill>
                   <a:schemeClr val="tx1"/>
                 </a:solidFill>
@@ -5406,10 +5796,10 @@
                 <a:cs typeface="Sniglet"/>
                 <a:sym typeface="Sniglet"/>
               </a:rPr>
-              <a:t> NIP, </a:t>
-            </a:r>
-            <a:r>
-              <a:rPr lang="en-US" dirty="0" err="1" smtClean="0">
+              <a:t> </a:t>
+            </a:r>
+            <a:r>
+              <a:rPr lang="en-US" sz="2400" dirty="0" err="1">
                 <a:solidFill>
                   <a:schemeClr val="tx1"/>
                 </a:solidFill>
@@ -5418,10 +5808,10 @@
                 <a:cs typeface="Sniglet"/>
                 <a:sym typeface="Sniglet"/>
               </a:rPr>
-              <a:t>nama</a:t>
-            </a:r>
-            <a:r>
-              <a:rPr lang="en-US" dirty="0" smtClean="0">
+              <a:t>seperti</a:t>
+            </a:r>
+            <a:r>
+              <a:rPr lang="en-US" sz="2400" dirty="0">
                 <a:solidFill>
                   <a:schemeClr val="tx1"/>
                 </a:solidFill>
@@ -5430,10 +5820,10 @@
                 <a:cs typeface="Sniglet"/>
                 <a:sym typeface="Sniglet"/>
               </a:rPr>
-              <a:t>, </a:t>
-            </a:r>
-            <a:r>
-              <a:rPr lang="en-US" dirty="0" err="1" smtClean="0">
+              <a:t> NIP, </a:t>
+            </a:r>
+            <a:r>
+              <a:rPr lang="en-US" sz="2400" dirty="0" err="1">
                 <a:solidFill>
                   <a:schemeClr val="tx1"/>
                 </a:solidFill>
@@ -5442,10 +5832,10 @@
                 <a:cs typeface="Sniglet"/>
                 <a:sym typeface="Sniglet"/>
               </a:rPr>
-              <a:t>jabatan</a:t>
-            </a:r>
-            <a:r>
-              <a:rPr lang="en-US" dirty="0" smtClean="0">
+              <a:t>nama</a:t>
+            </a:r>
+            <a:r>
+              <a:rPr lang="en-US" sz="2400" dirty="0">
                 <a:solidFill>
                   <a:schemeClr val="tx1"/>
                 </a:solidFill>
@@ -5457,7 +5847,7 @@
               <a:t>, </a:t>
             </a:r>
             <a:r>
-              <a:rPr lang="en-US" dirty="0" err="1" smtClean="0">
+              <a:rPr lang="en-US" sz="2400" dirty="0" err="1">
                 <a:solidFill>
                   <a:schemeClr val="tx1"/>
                 </a:solidFill>
@@ -5466,10 +5856,10 @@
                 <a:cs typeface="Sniglet"/>
                 <a:sym typeface="Sniglet"/>
               </a:rPr>
-              <a:t>jenis</a:t>
-            </a:r>
-            <a:r>
-              <a:rPr lang="en-US" dirty="0" smtClean="0">
+              <a:t>jabatan</a:t>
+            </a:r>
+            <a:r>
+              <a:rPr lang="en-US" sz="2400" dirty="0">
                 <a:solidFill>
                   <a:schemeClr val="tx1"/>
                 </a:solidFill>
@@ -5478,10 +5868,10 @@
                 <a:cs typeface="Sniglet"/>
                 <a:sym typeface="Sniglet"/>
               </a:rPr>
-              <a:t> </a:t>
-            </a:r>
-            <a:r>
-              <a:rPr lang="en-US" dirty="0" err="1" smtClean="0">
+              <a:t>, </a:t>
+            </a:r>
+            <a:r>
+              <a:rPr lang="en-US" sz="2400" dirty="0" err="1">
                 <a:solidFill>
                   <a:schemeClr val="tx1"/>
                 </a:solidFill>
@@ -5490,10 +5880,10 @@
                 <a:cs typeface="Sniglet"/>
                 <a:sym typeface="Sniglet"/>
               </a:rPr>
-              <a:t>kelamin</a:t>
-            </a:r>
-            <a:r>
-              <a:rPr lang="en-US" dirty="0" smtClean="0">
+              <a:t>jenis</a:t>
+            </a:r>
+            <a:r>
+              <a:rPr lang="en-US" sz="2400" dirty="0">
                 <a:solidFill>
                   <a:schemeClr val="tx1"/>
                 </a:solidFill>
@@ -5502,10 +5892,10 @@
                 <a:cs typeface="Sniglet"/>
                 <a:sym typeface="Sniglet"/>
               </a:rPr>
-              <a:t>, agama, status </a:t>
-            </a:r>
-            <a:r>
-              <a:rPr lang="en-US" dirty="0" err="1" smtClean="0">
+              <a:t> </a:t>
+            </a:r>
+            <a:r>
+              <a:rPr lang="en-US" sz="2400" dirty="0" err="1">
                 <a:solidFill>
                   <a:schemeClr val="tx1"/>
                 </a:solidFill>
@@ -5514,10 +5904,10 @@
                 <a:cs typeface="Sniglet"/>
                 <a:sym typeface="Sniglet"/>
               </a:rPr>
-              <a:t>dan</a:t>
-            </a:r>
-            <a:r>
-              <a:rPr lang="en-US" dirty="0" smtClean="0">
+              <a:t>kelamin</a:t>
+            </a:r>
+            <a:r>
+              <a:rPr lang="en-US" sz="2400" dirty="0">
                 <a:solidFill>
                   <a:schemeClr val="tx1"/>
                 </a:solidFill>
@@ -5526,10 +5916,10 @@
                 <a:cs typeface="Sniglet"/>
                 <a:sym typeface="Sniglet"/>
               </a:rPr>
-              <a:t> </a:t>
-            </a:r>
-            <a:r>
-              <a:rPr lang="en-US" dirty="0" err="1" smtClean="0">
+              <a:t>, agama, status </a:t>
+            </a:r>
+            <a:r>
+              <a:rPr lang="en-US" sz="2400" dirty="0" err="1">
                 <a:solidFill>
                   <a:schemeClr val="tx1"/>
                 </a:solidFill>
@@ -5538,10 +5928,34 @@
                 <a:cs typeface="Sniglet"/>
                 <a:sym typeface="Sniglet"/>
               </a:rPr>
+              <a:t>dan</a:t>
+            </a:r>
+            <a:r>
+              <a:rPr lang="en-US" sz="2400" dirty="0">
+                <a:solidFill>
+                  <a:schemeClr val="tx1"/>
+                </a:solidFill>
+                <a:latin typeface="Sniglet"/>
+                <a:ea typeface="Sniglet"/>
+                <a:cs typeface="Sniglet"/>
+                <a:sym typeface="Sniglet"/>
+              </a:rPr>
+              <a:t> </a:t>
+            </a:r>
+            <a:r>
+              <a:rPr lang="en-US" sz="2400" dirty="0" err="1">
+                <a:solidFill>
+                  <a:schemeClr val="tx1"/>
+                </a:solidFill>
+                <a:latin typeface="Sniglet"/>
+                <a:ea typeface="Sniglet"/>
+                <a:cs typeface="Sniglet"/>
+                <a:sym typeface="Sniglet"/>
+              </a:rPr>
               <a:t>alamat</a:t>
             </a:r>
             <a:r>
-              <a:rPr lang="en-US" dirty="0" smtClean="0">
+              <a:rPr lang="en-US" sz="2400" dirty="0">
                 <a:solidFill>
                   <a:schemeClr val="tx1"/>
                 </a:solidFill>
@@ -5585,13 +5999,6 @@
   <p:clrMapOvr>
     <a:masterClrMapping/>
   </p:clrMapOvr>
-  <p:timing>
-    <p:tnLst>
-      <p:par>
-        <p:cTn id="1" dur="indefinite" restart="never" nodeType="tmRoot"/>
-      </p:par>
-    </p:tnLst>
-  </p:timing>
 </p:sld>
 </file>
 
@@ -5612,572 +6019,135 @@
           <a:chExt cx="0" cy="0"/>
         </a:xfrm>
       </p:grpSpPr>
-      <p:sp>
-        <p:nvSpPr>
-          <p:cNvPr id="2" name="Title 1"/>
-          <p:cNvSpPr>
-            <a:spLocks noGrp="1"/>
-          </p:cNvSpPr>
-          <p:nvPr>
-            <p:ph type="title"/>
-          </p:nvPr>
-        </p:nvSpPr>
+      <p:pic>
+        <p:nvPicPr>
+          <p:cNvPr id="2" name="Picture 1">
+            <a:extLst>
+              <a:ext uri="{FF2B5EF4-FFF2-40B4-BE49-F238E27FC236}">
+                <a16:creationId xmlns:a16="http://schemas.microsoft.com/office/drawing/2014/main" id="{395BDFE1-30D3-4BC2-B4E9-864BD62E9330}"/>
+              </a:ext>
+            </a:extLst>
+          </p:cNvPr>
+          <p:cNvPicPr>
+            <a:picLocks noChangeAspect="1"/>
+          </p:cNvPicPr>
+          <p:nvPr/>
+        </p:nvPicPr>
+        <p:blipFill rotWithShape="1">
+          <a:blip r:embed="rId2"/>
+          <a:srcRect l="29022" t="10222" r="21957" b="20565"/>
+          <a:stretch/>
+        </p:blipFill>
         <p:spPr>
           <a:xfrm>
-            <a:off x="1947673" y="1630428"/>
-            <a:ext cx="8796527" cy="2403689"/>
-          </a:xfrm>
-        </p:spPr>
-        <p:txBody>
-          <a:bodyPr>
-            <a:normAutofit/>
+            <a:off x="2345635" y="854194"/>
+            <a:ext cx="7054265" cy="5599615"/>
+          </a:xfrm>
+          <a:prstGeom prst="rect">
+            <a:avLst/>
+          </a:prstGeom>
+        </p:spPr>
+      </p:pic>
+      <p:sp>
+        <p:nvSpPr>
+          <p:cNvPr id="3" name="TextBox 2">
+            <a:extLst>
+              <a:ext uri="{FF2B5EF4-FFF2-40B4-BE49-F238E27FC236}">
+                <a16:creationId xmlns:a16="http://schemas.microsoft.com/office/drawing/2014/main" id="{B62D6885-2A43-441A-996B-BFF5203744D3}"/>
+              </a:ext>
+            </a:extLst>
+          </p:cNvPr>
+          <p:cNvSpPr txBox="1"/>
+          <p:nvPr/>
+        </p:nvSpPr>
+        <p:spPr>
+          <a:xfrm flipH="1">
+            <a:off x="463826" y="330974"/>
+            <a:ext cx="3246782" cy="523220"/>
+          </a:xfrm>
+          <a:prstGeom prst="rect">
+            <a:avLst/>
+          </a:prstGeom>
+          <a:noFill/>
+        </p:spPr>
+        <p:txBody>
+          <a:bodyPr wrap="square" rtlCol="0">
+            <a:spAutoFit/>
           </a:bodyPr>
           <a:lstStyle/>
           <a:p>
-            <a:pPr algn="l"/>
-            <a:r>
-              <a:rPr lang="en-US" sz="2000" i="0" cap="none" dirty="0" err="1" smtClean="0">
-                <a:solidFill>
-                  <a:schemeClr val="tx1"/>
-                </a:solidFill>
+            <a:r>
+              <a:rPr lang="id-ID" sz="2800" dirty="0">
                 <a:latin typeface="Adobe Gothic Std B" panose="020B0800000000000000" pitchFamily="34" charset="-128"/>
                 <a:ea typeface="Adobe Gothic Std B" panose="020B0800000000000000" pitchFamily="34" charset="-128"/>
               </a:rPr>
-              <a:t>Fajar</a:t>
-            </a:r>
-            <a:r>
-              <a:rPr lang="en-US" sz="2000" i="0" cap="none" dirty="0" smtClean="0">
-                <a:solidFill>
-                  <a:schemeClr val="tx1"/>
-                </a:solidFill>
-                <a:latin typeface="Adobe Gothic Std B" panose="020B0800000000000000" pitchFamily="34" charset="-128"/>
-                <a:ea typeface="Adobe Gothic Std B" panose="020B0800000000000000" pitchFamily="34" charset="-128"/>
-              </a:rPr>
-              <a:t> </a:t>
-            </a:r>
-            <a:r>
-              <a:rPr lang="en-US" sz="2000" i="0" cap="none" dirty="0" err="1" smtClean="0">
-                <a:solidFill>
-                  <a:schemeClr val="tx1"/>
-                </a:solidFill>
-                <a:latin typeface="Adobe Gothic Std B" panose="020B0800000000000000" pitchFamily="34" charset="-128"/>
-                <a:ea typeface="Adobe Gothic Std B" panose="020B0800000000000000" pitchFamily="34" charset="-128"/>
-              </a:rPr>
-              <a:t>Maulana</a:t>
-            </a:r>
-            <a:r>
-              <a:rPr lang="en-US" sz="2000" i="0" cap="none" dirty="0" smtClean="0">
-                <a:solidFill>
-                  <a:schemeClr val="tx1"/>
-                </a:solidFill>
-                <a:latin typeface="Adobe Gothic Std B" panose="020B0800000000000000" pitchFamily="34" charset="-128"/>
-                <a:ea typeface="Adobe Gothic Std B" panose="020B0800000000000000" pitchFamily="34" charset="-128"/>
-              </a:rPr>
-              <a:t>			</a:t>
-            </a:r>
-            <a:r>
-              <a:rPr lang="en-US" sz="2000" i="0" cap="none" dirty="0" smtClean="0">
-                <a:solidFill>
-                  <a:schemeClr val="tx1"/>
-                </a:solidFill>
-                <a:latin typeface="Adobe Gothic Std B" panose="020B0800000000000000" pitchFamily="34" charset="-128"/>
-                <a:ea typeface="Adobe Gothic Std B" panose="020B0800000000000000" pitchFamily="34" charset="-128"/>
-              </a:rPr>
-              <a:t>: </a:t>
-            </a:r>
-            <a:r>
-              <a:rPr lang="en-US" sz="2000" i="0" cap="none" dirty="0" err="1" smtClean="0">
-                <a:solidFill>
-                  <a:schemeClr val="tx1"/>
-                </a:solidFill>
-                <a:latin typeface="Adobe Gothic Std B" panose="020B0800000000000000" pitchFamily="34" charset="-128"/>
-                <a:ea typeface="Adobe Gothic Std B" panose="020B0800000000000000" pitchFamily="34" charset="-128"/>
-              </a:rPr>
-              <a:t>Koding</a:t>
-            </a:r>
-            <a:r>
-              <a:rPr lang="en-US" sz="2000" i="0" cap="none" dirty="0" smtClean="0">
-                <a:solidFill>
-                  <a:schemeClr val="tx1"/>
-                </a:solidFill>
-                <a:latin typeface="Adobe Gothic Std B" panose="020B0800000000000000" pitchFamily="34" charset="-128"/>
-                <a:ea typeface="Adobe Gothic Std B" panose="020B0800000000000000" pitchFamily="34" charset="-128"/>
-              </a:rPr>
-              <a:t> program</a:t>
-            </a:r>
-            <a:r>
-              <a:rPr lang="en-US" sz="2000" i="0" cap="none" dirty="0" smtClean="0">
-                <a:solidFill>
-                  <a:schemeClr val="tx1"/>
-                </a:solidFill>
-                <a:latin typeface="Adobe Gothic Std B" panose="020B0800000000000000" pitchFamily="34" charset="-128"/>
-                <a:ea typeface="Adobe Gothic Std B" panose="020B0800000000000000" pitchFamily="34" charset="-128"/>
-              </a:rPr>
-              <a:t/>
-            </a:r>
-            <a:br>
-              <a:rPr lang="en-US" sz="2000" i="0" cap="none" dirty="0" smtClean="0">
-                <a:solidFill>
-                  <a:schemeClr val="tx1"/>
-                </a:solidFill>
-                <a:latin typeface="Adobe Gothic Std B" panose="020B0800000000000000" pitchFamily="34" charset="-128"/>
-                <a:ea typeface="Adobe Gothic Std B" panose="020B0800000000000000" pitchFamily="34" charset="-128"/>
-              </a:rPr>
-            </a:br>
-            <a:r>
-              <a:rPr lang="en-US" sz="2000" i="0" cap="none" dirty="0" smtClean="0">
-                <a:solidFill>
-                  <a:schemeClr val="tx1"/>
-                </a:solidFill>
-                <a:latin typeface="Adobe Gothic Std B" panose="020B0800000000000000" pitchFamily="34" charset="-128"/>
-                <a:ea typeface="Adobe Gothic Std B" panose="020B0800000000000000" pitchFamily="34" charset="-128"/>
-              </a:rPr>
-              <a:t/>
-            </a:r>
-            <a:br>
-              <a:rPr lang="en-US" sz="2000" i="0" cap="none" dirty="0" smtClean="0">
-                <a:solidFill>
-                  <a:schemeClr val="tx1"/>
-                </a:solidFill>
-                <a:latin typeface="Adobe Gothic Std B" panose="020B0800000000000000" pitchFamily="34" charset="-128"/>
-                <a:ea typeface="Adobe Gothic Std B" panose="020B0800000000000000" pitchFamily="34" charset="-128"/>
-              </a:rPr>
-            </a:br>
-            <a:r>
-              <a:rPr lang="en-US" sz="2000" i="0" cap="none" dirty="0" smtClean="0">
-                <a:solidFill>
-                  <a:schemeClr val="tx1"/>
-                </a:solidFill>
-                <a:latin typeface="Adobe Gothic Std B" panose="020B0800000000000000" pitchFamily="34" charset="-128"/>
-                <a:ea typeface="Adobe Gothic Std B" panose="020B0800000000000000" pitchFamily="34" charset="-128"/>
-              </a:rPr>
-              <a:t>Muhammad </a:t>
-            </a:r>
-            <a:r>
-              <a:rPr lang="en-US" sz="2000" i="0" cap="none" dirty="0" err="1" smtClean="0">
-                <a:solidFill>
-                  <a:schemeClr val="tx1"/>
-                </a:solidFill>
-                <a:latin typeface="Adobe Gothic Std B" panose="020B0800000000000000" pitchFamily="34" charset="-128"/>
-                <a:ea typeface="Adobe Gothic Std B" panose="020B0800000000000000" pitchFamily="34" charset="-128"/>
-              </a:rPr>
-              <a:t>Zaki</a:t>
-            </a:r>
-            <a:r>
-              <a:rPr lang="en-US" sz="2000" i="0" cap="none" dirty="0" smtClean="0">
-                <a:solidFill>
-                  <a:schemeClr val="tx1"/>
-                </a:solidFill>
-                <a:latin typeface="Adobe Gothic Std B" panose="020B0800000000000000" pitchFamily="34" charset="-128"/>
-                <a:ea typeface="Adobe Gothic Std B" panose="020B0800000000000000" pitchFamily="34" charset="-128"/>
-              </a:rPr>
-              <a:t> </a:t>
-            </a:r>
-            <a:r>
-              <a:rPr lang="en-US" sz="2000" i="0" cap="none" dirty="0" err="1" smtClean="0">
-                <a:solidFill>
-                  <a:schemeClr val="tx1"/>
-                </a:solidFill>
-                <a:latin typeface="Adobe Gothic Std B" panose="020B0800000000000000" pitchFamily="34" charset="-128"/>
-                <a:ea typeface="Adobe Gothic Std B" panose="020B0800000000000000" pitchFamily="34" charset="-128"/>
-              </a:rPr>
-              <a:t>Amansyah</a:t>
-            </a:r>
-            <a:r>
-              <a:rPr lang="en-US" sz="2000" i="0" cap="none" dirty="0" smtClean="0">
-                <a:solidFill>
-                  <a:schemeClr val="tx1"/>
-                </a:solidFill>
-                <a:latin typeface="Adobe Gothic Std B" panose="020B0800000000000000" pitchFamily="34" charset="-128"/>
-                <a:ea typeface="Adobe Gothic Std B" panose="020B0800000000000000" pitchFamily="34" charset="-128"/>
-              </a:rPr>
-              <a:t>	</a:t>
-            </a:r>
-            <a:r>
-              <a:rPr lang="en-US" sz="2000" i="0" cap="none" dirty="0" smtClean="0">
-                <a:solidFill>
-                  <a:schemeClr val="tx1"/>
-                </a:solidFill>
-                <a:latin typeface="Adobe Gothic Std B" panose="020B0800000000000000" pitchFamily="34" charset="-128"/>
-                <a:ea typeface="Adobe Gothic Std B" panose="020B0800000000000000" pitchFamily="34" charset="-128"/>
-              </a:rPr>
-              <a:t>: </a:t>
-            </a:r>
-            <a:r>
-              <a:rPr lang="en-US" sz="2000" i="0" cap="none" dirty="0" err="1" smtClean="0">
-                <a:solidFill>
-                  <a:schemeClr val="tx1"/>
-                </a:solidFill>
-                <a:latin typeface="Adobe Gothic Std B" panose="020B0800000000000000" pitchFamily="34" charset="-128"/>
-                <a:ea typeface="Adobe Gothic Std B" panose="020B0800000000000000" pitchFamily="34" charset="-128"/>
-              </a:rPr>
-              <a:t>Membuat</a:t>
-            </a:r>
-            <a:r>
-              <a:rPr lang="en-US" sz="2000" i="0" cap="none" dirty="0" smtClean="0">
-                <a:solidFill>
-                  <a:schemeClr val="tx1"/>
-                </a:solidFill>
-                <a:latin typeface="Adobe Gothic Std B" panose="020B0800000000000000" pitchFamily="34" charset="-128"/>
-                <a:ea typeface="Adobe Gothic Std B" panose="020B0800000000000000" pitchFamily="34" charset="-128"/>
-              </a:rPr>
-              <a:t> </a:t>
-            </a:r>
-            <a:r>
-              <a:rPr lang="en-US" sz="2000" i="0" cap="none" dirty="0" err="1" smtClean="0">
-                <a:solidFill>
-                  <a:schemeClr val="tx1"/>
-                </a:solidFill>
-                <a:latin typeface="Adobe Gothic Std B" panose="020B0800000000000000" pitchFamily="34" charset="-128"/>
-                <a:ea typeface="Adobe Gothic Std B" panose="020B0800000000000000" pitchFamily="34" charset="-128"/>
-              </a:rPr>
-              <a:t>tampilan</a:t>
-            </a:r>
-            <a:r>
-              <a:rPr lang="en-US" sz="2000" i="0" cap="none" dirty="0" smtClean="0">
-                <a:solidFill>
-                  <a:schemeClr val="tx1"/>
-                </a:solidFill>
-                <a:latin typeface="Adobe Gothic Std B" panose="020B0800000000000000" pitchFamily="34" charset="-128"/>
-                <a:ea typeface="Adobe Gothic Std B" panose="020B0800000000000000" pitchFamily="34" charset="-128"/>
-              </a:rPr>
-              <a:t> form data </a:t>
-            </a:r>
-            <a:r>
-              <a:rPr lang="en-US" sz="2000" i="0" cap="none" dirty="0" err="1" smtClean="0">
-                <a:solidFill>
-                  <a:schemeClr val="tx1"/>
-                </a:solidFill>
-                <a:latin typeface="Adobe Gothic Std B" panose="020B0800000000000000" pitchFamily="34" charset="-128"/>
-                <a:ea typeface="Adobe Gothic Std B" panose="020B0800000000000000" pitchFamily="34" charset="-128"/>
-              </a:rPr>
-              <a:t>karyawan</a:t>
-            </a:r>
-            <a:r>
-              <a:rPr lang="en-US" sz="2000" i="0" cap="none" dirty="0" smtClean="0">
-                <a:solidFill>
-                  <a:schemeClr val="tx1"/>
-                </a:solidFill>
-                <a:latin typeface="Adobe Gothic Std B" panose="020B0800000000000000" pitchFamily="34" charset="-128"/>
-                <a:ea typeface="Adobe Gothic Std B" panose="020B0800000000000000" pitchFamily="34" charset="-128"/>
-              </a:rPr>
-              <a:t/>
-            </a:r>
-            <a:br>
-              <a:rPr lang="en-US" sz="2000" i="0" cap="none" dirty="0" smtClean="0">
-                <a:solidFill>
-                  <a:schemeClr val="tx1"/>
-                </a:solidFill>
-                <a:latin typeface="Adobe Gothic Std B" panose="020B0800000000000000" pitchFamily="34" charset="-128"/>
-                <a:ea typeface="Adobe Gothic Std B" panose="020B0800000000000000" pitchFamily="34" charset="-128"/>
-              </a:rPr>
-            </a:br>
-            <a:r>
-              <a:rPr lang="en-US" sz="2000" i="0" cap="none" dirty="0" smtClean="0">
-                <a:solidFill>
-                  <a:schemeClr val="tx1"/>
-                </a:solidFill>
-                <a:latin typeface="Adobe Gothic Std B" panose="020B0800000000000000" pitchFamily="34" charset="-128"/>
-                <a:ea typeface="Adobe Gothic Std B" panose="020B0800000000000000" pitchFamily="34" charset="-128"/>
-              </a:rPr>
-              <a:t/>
-            </a:r>
-            <a:br>
-              <a:rPr lang="en-US" sz="2000" i="0" cap="none" dirty="0" smtClean="0">
-                <a:solidFill>
-                  <a:schemeClr val="tx1"/>
-                </a:solidFill>
-                <a:latin typeface="Adobe Gothic Std B" panose="020B0800000000000000" pitchFamily="34" charset="-128"/>
-                <a:ea typeface="Adobe Gothic Std B" panose="020B0800000000000000" pitchFamily="34" charset="-128"/>
-              </a:rPr>
-            </a:br>
-            <a:r>
-              <a:rPr lang="en-US" sz="2000" i="0" cap="none" dirty="0" smtClean="0">
-                <a:solidFill>
-                  <a:schemeClr val="tx1"/>
-                </a:solidFill>
-                <a:latin typeface="Adobe Gothic Std B" panose="020B0800000000000000" pitchFamily="34" charset="-128"/>
-                <a:ea typeface="Adobe Gothic Std B" panose="020B0800000000000000" pitchFamily="34" charset="-128"/>
-              </a:rPr>
-              <a:t>Rama </a:t>
-            </a:r>
-            <a:r>
-              <a:rPr lang="en-US" sz="2000" i="0" cap="none" dirty="0" err="1" smtClean="0">
-                <a:solidFill>
-                  <a:schemeClr val="tx1"/>
-                </a:solidFill>
-                <a:latin typeface="Adobe Gothic Std B" panose="020B0800000000000000" pitchFamily="34" charset="-128"/>
-                <a:ea typeface="Adobe Gothic Std B" panose="020B0800000000000000" pitchFamily="34" charset="-128"/>
-              </a:rPr>
-              <a:t>Alfareza</a:t>
-            </a:r>
-            <a:r>
-              <a:rPr lang="en-US" sz="2000" i="0" cap="none" dirty="0" smtClean="0">
-                <a:solidFill>
-                  <a:schemeClr val="tx1"/>
-                </a:solidFill>
-                <a:latin typeface="Adobe Gothic Std B" panose="020B0800000000000000" pitchFamily="34" charset="-128"/>
-                <a:ea typeface="Adobe Gothic Std B" panose="020B0800000000000000" pitchFamily="34" charset="-128"/>
-              </a:rPr>
-              <a:t>			</a:t>
-            </a:r>
-            <a:r>
-              <a:rPr lang="en-US" sz="2000" i="0" cap="none" dirty="0">
-                <a:solidFill>
-                  <a:schemeClr val="tx1"/>
-                </a:solidFill>
-                <a:latin typeface="Adobe Gothic Std B" panose="020B0800000000000000" pitchFamily="34" charset="-128"/>
-                <a:ea typeface="Adobe Gothic Std B" panose="020B0800000000000000" pitchFamily="34" charset="-128"/>
-              </a:rPr>
-              <a:t>: </a:t>
-            </a:r>
-            <a:r>
-              <a:rPr lang="en-US" sz="2000" i="0" cap="none" dirty="0" err="1" smtClean="0">
-                <a:solidFill>
-                  <a:schemeClr val="tx1"/>
-                </a:solidFill>
-                <a:latin typeface="Adobe Gothic Std B" panose="020B0800000000000000" pitchFamily="34" charset="-128"/>
-                <a:ea typeface="Adobe Gothic Std B" panose="020B0800000000000000" pitchFamily="34" charset="-128"/>
-              </a:rPr>
-              <a:t>Membuat</a:t>
-            </a:r>
-            <a:r>
-              <a:rPr lang="en-US" sz="2000" i="0" cap="none" dirty="0" smtClean="0">
-                <a:solidFill>
-                  <a:schemeClr val="tx1"/>
-                </a:solidFill>
-                <a:latin typeface="Adobe Gothic Std B" panose="020B0800000000000000" pitchFamily="34" charset="-128"/>
-                <a:ea typeface="Adobe Gothic Std B" panose="020B0800000000000000" pitchFamily="34" charset="-128"/>
-              </a:rPr>
-              <a:t> database</a:t>
-            </a:r>
-            <a:r>
-              <a:rPr lang="en-US" sz="2000" i="0" cap="none" dirty="0" smtClean="0">
-                <a:solidFill>
-                  <a:schemeClr val="tx1"/>
-                </a:solidFill>
-                <a:latin typeface="Adobe Gothic Std B" panose="020B0800000000000000" pitchFamily="34" charset="-128"/>
-                <a:ea typeface="Adobe Gothic Std B" panose="020B0800000000000000" pitchFamily="34" charset="-128"/>
-              </a:rPr>
-              <a:t/>
-            </a:r>
-            <a:br>
-              <a:rPr lang="en-US" sz="2000" i="0" cap="none" dirty="0" smtClean="0">
-                <a:solidFill>
-                  <a:schemeClr val="tx1"/>
-                </a:solidFill>
-                <a:latin typeface="Adobe Gothic Std B" panose="020B0800000000000000" pitchFamily="34" charset="-128"/>
-                <a:ea typeface="Adobe Gothic Std B" panose="020B0800000000000000" pitchFamily="34" charset="-128"/>
-              </a:rPr>
-            </a:br>
-            <a:r>
-              <a:rPr lang="en-US" sz="2000" i="0" cap="none" dirty="0" smtClean="0">
-                <a:solidFill>
-                  <a:schemeClr val="tx1"/>
-                </a:solidFill>
-                <a:latin typeface="Adobe Gothic Std B" panose="020B0800000000000000" pitchFamily="34" charset="-128"/>
-                <a:ea typeface="Adobe Gothic Std B" panose="020B0800000000000000" pitchFamily="34" charset="-128"/>
-              </a:rPr>
-              <a:t/>
-            </a:r>
-            <a:br>
-              <a:rPr lang="en-US" sz="2000" i="0" cap="none" dirty="0" smtClean="0">
-                <a:solidFill>
-                  <a:schemeClr val="tx1"/>
-                </a:solidFill>
-                <a:latin typeface="Adobe Gothic Std B" panose="020B0800000000000000" pitchFamily="34" charset="-128"/>
-                <a:ea typeface="Adobe Gothic Std B" panose="020B0800000000000000" pitchFamily="34" charset="-128"/>
-              </a:rPr>
-            </a:br>
-            <a:r>
-              <a:rPr lang="en-US" sz="2000" i="0" cap="none" dirty="0" smtClean="0">
-                <a:solidFill>
-                  <a:schemeClr val="tx1"/>
-                </a:solidFill>
-                <a:latin typeface="Adobe Gothic Std B" panose="020B0800000000000000" pitchFamily="34" charset="-128"/>
-                <a:ea typeface="Adobe Gothic Std B" panose="020B0800000000000000" pitchFamily="34" charset="-128"/>
-              </a:rPr>
-              <a:t>Rina </a:t>
-            </a:r>
-            <a:r>
-              <a:rPr lang="en-US" sz="2000" i="0" cap="none" dirty="0" err="1" smtClean="0">
-                <a:solidFill>
-                  <a:schemeClr val="tx1"/>
-                </a:solidFill>
-                <a:latin typeface="Adobe Gothic Std B" panose="020B0800000000000000" pitchFamily="34" charset="-128"/>
-                <a:ea typeface="Adobe Gothic Std B" panose="020B0800000000000000" pitchFamily="34" charset="-128"/>
-              </a:rPr>
-              <a:t>Nopiyana</a:t>
-            </a:r>
-            <a:r>
-              <a:rPr lang="en-US" sz="2000" i="0" cap="none" dirty="0" smtClean="0">
-                <a:solidFill>
-                  <a:schemeClr val="tx1"/>
-                </a:solidFill>
-                <a:latin typeface="Adobe Gothic Std B" panose="020B0800000000000000" pitchFamily="34" charset="-128"/>
-                <a:ea typeface="Adobe Gothic Std B" panose="020B0800000000000000" pitchFamily="34" charset="-128"/>
-              </a:rPr>
-              <a:t>			</a:t>
-            </a:r>
-            <a:r>
-              <a:rPr lang="en-US" sz="2000" i="0" cap="none" dirty="0">
-                <a:solidFill>
-                  <a:schemeClr val="tx1"/>
-                </a:solidFill>
-                <a:latin typeface="Adobe Gothic Std B" panose="020B0800000000000000" pitchFamily="34" charset="-128"/>
-                <a:ea typeface="Adobe Gothic Std B" panose="020B0800000000000000" pitchFamily="34" charset="-128"/>
-              </a:rPr>
-              <a:t>: </a:t>
-            </a:r>
-            <a:r>
-              <a:rPr lang="en-US" sz="2000" i="0" cap="none" dirty="0" err="1" smtClean="0">
-                <a:solidFill>
-                  <a:schemeClr val="tx1"/>
-                </a:solidFill>
-                <a:latin typeface="Adobe Gothic Std B" panose="020B0800000000000000" pitchFamily="34" charset="-128"/>
-                <a:ea typeface="Adobe Gothic Std B" panose="020B0800000000000000" pitchFamily="34" charset="-128"/>
-              </a:rPr>
-              <a:t>Membuat</a:t>
-            </a:r>
-            <a:r>
-              <a:rPr lang="en-US" sz="2000" i="0" cap="none" dirty="0" smtClean="0">
-                <a:solidFill>
-                  <a:schemeClr val="tx1"/>
-                </a:solidFill>
-                <a:latin typeface="Adobe Gothic Std B" panose="020B0800000000000000" pitchFamily="34" charset="-128"/>
-                <a:ea typeface="Adobe Gothic Std B" panose="020B0800000000000000" pitchFamily="34" charset="-128"/>
-              </a:rPr>
-              <a:t> </a:t>
-            </a:r>
-            <a:r>
-              <a:rPr lang="en-US" sz="2000" i="0" cap="none" dirty="0" err="1" smtClean="0">
-                <a:solidFill>
-                  <a:schemeClr val="tx1"/>
-                </a:solidFill>
-                <a:latin typeface="Adobe Gothic Std B" panose="020B0800000000000000" pitchFamily="34" charset="-128"/>
-                <a:ea typeface="Adobe Gothic Std B" panose="020B0800000000000000" pitchFamily="34" charset="-128"/>
-              </a:rPr>
-              <a:t>ppt</a:t>
-            </a:r>
-            <a:r>
-              <a:rPr lang="en-US" sz="2000" cap="none" dirty="0" smtClean="0">
-                <a:solidFill>
-                  <a:schemeClr val="tx1"/>
-                </a:solidFill>
-                <a:latin typeface="Adobe Gothic Std B" panose="020B0800000000000000" pitchFamily="34" charset="-128"/>
-                <a:ea typeface="Adobe Gothic Std B" panose="020B0800000000000000" pitchFamily="34" charset="-128"/>
-              </a:rPr>
-              <a:t/>
-            </a:r>
-            <a:br>
-              <a:rPr lang="en-US" sz="2000" cap="none" dirty="0" smtClean="0">
-                <a:solidFill>
-                  <a:schemeClr val="tx1"/>
-                </a:solidFill>
-                <a:latin typeface="Adobe Gothic Std B" panose="020B0800000000000000" pitchFamily="34" charset="-128"/>
-                <a:ea typeface="Adobe Gothic Std B" panose="020B0800000000000000" pitchFamily="34" charset="-128"/>
-              </a:rPr>
-            </a:br>
-            <a:endParaRPr lang="en-US" sz="2000" cap="none" dirty="0">
-              <a:solidFill>
-                <a:schemeClr val="tx1"/>
-              </a:solidFill>
-              <a:latin typeface="Adobe Gothic Std B" panose="020B0800000000000000" pitchFamily="34" charset="-128"/>
-              <a:ea typeface="Adobe Gothic Std B" panose="020B0800000000000000" pitchFamily="34" charset="-128"/>
-            </a:endParaRPr>
-          </a:p>
-        </p:txBody>
-      </p:sp>
-      <p:sp>
-        <p:nvSpPr>
-          <p:cNvPr id="3" name="Text Placeholder 2"/>
-          <p:cNvSpPr>
-            <a:spLocks noGrp="1"/>
-          </p:cNvSpPr>
-          <p:nvPr>
-            <p:ph type="body" idx="1"/>
-          </p:nvPr>
+              <a:t>Inheritance</a:t>
+            </a:r>
+          </a:p>
+        </p:txBody>
+      </p:sp>
+      <p:sp>
+        <p:nvSpPr>
+          <p:cNvPr id="4" name="Rectangle 3">
+            <a:extLst>
+              <a:ext uri="{FF2B5EF4-FFF2-40B4-BE49-F238E27FC236}">
+                <a16:creationId xmlns:a16="http://schemas.microsoft.com/office/drawing/2014/main" id="{6A25552F-941E-491D-A849-DC276D3491EF}"/>
+              </a:ext>
+            </a:extLst>
+          </p:cNvPr>
+          <p:cNvSpPr/>
+          <p:nvPr/>
         </p:nvSpPr>
         <p:spPr>
           <a:xfrm>
-            <a:off x="1947673" y="196960"/>
-            <a:ext cx="8401429" cy="819150"/>
-          </a:xfrm>
-        </p:spPr>
-        <p:txBody>
-          <a:bodyPr/>
+            <a:off x="2345635" y="4585252"/>
+            <a:ext cx="4890052" cy="331305"/>
+          </a:xfrm>
+          <a:prstGeom prst="rect">
+            <a:avLst/>
+          </a:prstGeom>
+          <a:noFill/>
+          <a:ln>
+            <a:solidFill>
+              <a:srgbClr val="FF0000"/>
+            </a:solidFill>
+          </a:ln>
+        </p:spPr>
+        <p:style>
+          <a:lnRef idx="2">
+            <a:schemeClr val="accent1">
+              <a:shade val="50000"/>
+            </a:schemeClr>
+          </a:lnRef>
+          <a:fillRef idx="1">
+            <a:schemeClr val="accent1"/>
+          </a:fillRef>
+          <a:effectRef idx="0">
+            <a:schemeClr val="accent1"/>
+          </a:effectRef>
+          <a:fontRef idx="minor">
+            <a:schemeClr val="lt1"/>
+          </a:fontRef>
+        </p:style>
+        <p:txBody>
+          <a:bodyPr rtlCol="0" anchor="ctr"/>
           <a:lstStyle/>
           <a:p>
-            <a:pPr algn="just"/>
-            <a:r>
-              <a:rPr lang="en-US" i="0" dirty="0"/>
-              <a:t> </a:t>
-            </a:r>
-            <a:r>
-              <a:rPr lang="en-US" sz="3200" i="0" dirty="0" err="1">
-                <a:latin typeface="Franklin Gothic Heavy" panose="020B0903020102020204" pitchFamily="34" charset="0"/>
-              </a:rPr>
-              <a:t>T</a:t>
-            </a:r>
-            <a:r>
-              <a:rPr lang="en-US" sz="3200" i="0" dirty="0" err="1" smtClean="0">
-                <a:latin typeface="Franklin Gothic Heavy" panose="020B0903020102020204" pitchFamily="34" charset="0"/>
-              </a:rPr>
-              <a:t>ugas</a:t>
-            </a:r>
-            <a:r>
-              <a:rPr lang="en-US" sz="3200" i="0" dirty="0" smtClean="0">
-                <a:latin typeface="Franklin Gothic Heavy" panose="020B0903020102020204" pitchFamily="34" charset="0"/>
-              </a:rPr>
-              <a:t> </a:t>
-            </a:r>
-            <a:r>
-              <a:rPr lang="en-US" sz="3200" i="0" dirty="0">
-                <a:latin typeface="Franklin Gothic Heavy" panose="020B0903020102020204" pitchFamily="34" charset="0"/>
-              </a:rPr>
-              <a:t>per </a:t>
-            </a:r>
-            <a:r>
-              <a:rPr lang="en-US" sz="3200" i="0" dirty="0" err="1">
-                <a:latin typeface="Franklin Gothic Heavy" panose="020B0903020102020204" pitchFamily="34" charset="0"/>
-              </a:rPr>
-              <a:t>I</a:t>
-            </a:r>
-            <a:r>
-              <a:rPr lang="en-US" sz="3200" i="0" dirty="0" err="1" smtClean="0">
-                <a:latin typeface="Franklin Gothic Heavy" panose="020B0903020102020204" pitchFamily="34" charset="0"/>
-              </a:rPr>
-              <a:t>ndividu</a:t>
-            </a:r>
-            <a:r>
-              <a:rPr lang="en-US" sz="3200" i="0" dirty="0">
-                <a:latin typeface="Franklin Gothic Heavy" panose="020B0903020102020204" pitchFamily="34" charset="0"/>
-              </a:rPr>
-              <a:t> </a:t>
-            </a:r>
-            <a:endParaRPr lang="en-US" sz="3200" dirty="0">
-              <a:latin typeface="Franklin Gothic Heavy" panose="020B0903020102020204" pitchFamily="34" charset="0"/>
-            </a:endParaRPr>
+            <a:pPr algn="ctr"/>
+            <a:endParaRPr lang="id-ID"/>
           </a:p>
         </p:txBody>
       </p:sp>
     </p:spTree>
     <p:extLst>
       <p:ext uri="{BB962C8B-B14F-4D97-AF65-F5344CB8AC3E}">
-        <p14:creationId xmlns:p14="http://schemas.microsoft.com/office/powerpoint/2010/main" val="727905910"/>
+        <p14:creationId xmlns:p14="http://schemas.microsoft.com/office/powerpoint/2010/main" val="383473526"/>
       </p:ext>
     </p:extLst>
   </p:cSld>
   <p:clrMapOvr>
     <a:masterClrMapping/>
   </p:clrMapOvr>
-  <p:timing>
-    <p:tnLst>
-      <p:par>
-        <p:cTn id="1" dur="indefinite" restart="never" nodeType="tmRoot"/>
-      </p:par>
-    </p:tnLst>
-  </p:timing>
 </p:sld>
 </file>
 
@@ -6200,69 +6170,81 @@
       </p:grpSpPr>
       <p:sp>
         <p:nvSpPr>
-          <p:cNvPr id="3" name="Title 2"/>
-          <p:cNvSpPr>
-            <a:spLocks noGrp="1"/>
-          </p:cNvSpPr>
-          <p:nvPr>
-            <p:ph type="title"/>
-          </p:nvPr>
-        </p:nvSpPr>
-        <p:spPr/>
-        <p:txBody>
-          <a:bodyPr/>
+          <p:cNvPr id="3" name="TextBox 2">
+            <a:extLst>
+              <a:ext uri="{FF2B5EF4-FFF2-40B4-BE49-F238E27FC236}">
+                <a16:creationId xmlns:a16="http://schemas.microsoft.com/office/drawing/2014/main" id="{B62D6885-2A43-441A-996B-BFF5203744D3}"/>
+              </a:ext>
+            </a:extLst>
+          </p:cNvPr>
+          <p:cNvSpPr txBox="1"/>
+          <p:nvPr/>
+        </p:nvSpPr>
+        <p:spPr>
+          <a:xfrm flipH="1">
+            <a:off x="463825" y="330974"/>
+            <a:ext cx="4505739" cy="523220"/>
+          </a:xfrm>
+          <a:prstGeom prst="rect">
+            <a:avLst/>
+          </a:prstGeom>
+          <a:noFill/>
+        </p:spPr>
+        <p:txBody>
+          <a:bodyPr wrap="square" rtlCol="0">
+            <a:spAutoFit/>
+          </a:bodyPr>
           <a:lstStyle/>
           <a:p>
-            <a:endParaRPr lang="en-US"/>
+            <a:r>
+              <a:rPr lang="id-ID" sz="2800" dirty="0">
+                <a:latin typeface="Adobe Gothic Std B" panose="020B0800000000000000" pitchFamily="34" charset="-128"/>
+                <a:ea typeface="Adobe Gothic Std B" panose="020B0800000000000000" pitchFamily="34" charset="-128"/>
+              </a:rPr>
+              <a:t>Konektivitas Database</a:t>
+            </a:r>
           </a:p>
         </p:txBody>
       </p:sp>
       <p:pic>
         <p:nvPicPr>
-          <p:cNvPr id="4" name="Picture 3"/>
-          <p:cNvPicPr/>
+          <p:cNvPr id="5" name="Picture 4">
+            <a:extLst>
+              <a:ext uri="{FF2B5EF4-FFF2-40B4-BE49-F238E27FC236}">
+                <a16:creationId xmlns:a16="http://schemas.microsoft.com/office/drawing/2014/main" id="{D685F581-10A4-4F1D-A2FF-990AE1F03E6D}"/>
+              </a:ext>
+            </a:extLst>
+          </p:cNvPr>
+          <p:cNvPicPr>
+            <a:picLocks noChangeAspect="1"/>
+          </p:cNvPicPr>
           <p:nvPr/>
         </p:nvPicPr>
         <p:blipFill rotWithShape="1">
           <a:blip r:embed="rId2"/>
-          <a:srcRect l="29099" t="17184" r="3027" b="37647"/>
+          <a:srcRect l="29348" t="18535" r="14239" b="24625"/>
           <a:stretch/>
         </p:blipFill>
-        <p:spPr bwMode="auto">
+        <p:spPr>
           <a:xfrm>
-            <a:off x="1317811" y="941294"/>
-            <a:ext cx="9466730" cy="4988859"/>
+            <a:off x="967409" y="854194"/>
+            <a:ext cx="9727095" cy="5510146"/>
           </a:xfrm>
           <a:prstGeom prst="rect">
             <a:avLst/>
           </a:prstGeom>
-          <a:ln>
-            <a:noFill/>
-          </a:ln>
-          <a:extLst>
-            <a:ext uri="{53640926-AAD7-44D8-BBD7-CCE9431645EC}">
-              <a14:shadowObscured xmlns:a14="http://schemas.microsoft.com/office/drawing/2010/main"/>
-            </a:ext>
-          </a:extLst>
         </p:spPr>
       </p:pic>
     </p:spTree>
     <p:extLst>
       <p:ext uri="{BB962C8B-B14F-4D97-AF65-F5344CB8AC3E}">
-        <p14:creationId xmlns:p14="http://schemas.microsoft.com/office/powerpoint/2010/main" val="516990660"/>
+        <p14:creationId xmlns:p14="http://schemas.microsoft.com/office/powerpoint/2010/main" val="665839487"/>
       </p:ext>
     </p:extLst>
   </p:cSld>
   <p:clrMapOvr>
     <a:masterClrMapping/>
   </p:clrMapOvr>
-  <p:timing>
-    <p:tnLst>
-      <p:par>
-        <p:cTn id="1" dur="indefinite" restart="never" nodeType="tmRoot"/>
-      </p:par>
-    </p:tnLst>
-  </p:timing>
 </p:sld>
 </file>
 
@@ -6283,39 +6265,194 @@
           <a:chExt cx="0" cy="0"/>
         </a:xfrm>
       </p:grpSpPr>
+      <p:sp>
+        <p:nvSpPr>
+          <p:cNvPr id="3" name="Title 2"/>
+          <p:cNvSpPr>
+            <a:spLocks noGrp="1"/>
+          </p:cNvSpPr>
+          <p:nvPr>
+            <p:ph type="title"/>
+          </p:nvPr>
+        </p:nvSpPr>
+        <p:spPr>
+          <a:xfrm>
+            <a:off x="708991" y="347643"/>
+            <a:ext cx="3833906" cy="381616"/>
+          </a:xfrm>
+        </p:spPr>
+        <p:txBody>
+          <a:bodyPr>
+            <a:noAutofit/>
+          </a:bodyPr>
+          <a:lstStyle/>
+          <a:p>
+            <a:pPr algn="l"/>
+            <a:r>
+              <a:rPr lang="id-ID" sz="3200" b="1" i="0" dirty="0">
+                <a:latin typeface="Adobe Gothic Std B" panose="020B0800000000000000" pitchFamily="34" charset="-128"/>
+                <a:ea typeface="Adobe Gothic Std B" panose="020B0800000000000000" pitchFamily="34" charset="-128"/>
+              </a:rPr>
+              <a:t>try</a:t>
+            </a:r>
+            <a:r>
+              <a:rPr lang="id-ID" sz="3200" i="0" dirty="0">
+                <a:latin typeface="Adobe Gothic Std B" panose="020B0800000000000000" pitchFamily="34" charset="-128"/>
+                <a:ea typeface="Adobe Gothic Std B" panose="020B0800000000000000" pitchFamily="34" charset="-128"/>
+              </a:rPr>
+              <a:t>, </a:t>
+            </a:r>
+            <a:r>
+              <a:rPr lang="id-ID" sz="3200" b="1" i="0" dirty="0">
+                <a:latin typeface="Adobe Gothic Std B" panose="020B0800000000000000" pitchFamily="34" charset="-128"/>
+                <a:ea typeface="Adobe Gothic Std B" panose="020B0800000000000000" pitchFamily="34" charset="-128"/>
+              </a:rPr>
+              <a:t>catch</a:t>
+            </a:r>
+            <a:endParaRPr lang="en-US" sz="3200" dirty="0">
+              <a:latin typeface="Adobe Gothic Std B" panose="020B0800000000000000" pitchFamily="34" charset="-128"/>
+              <a:ea typeface="Adobe Gothic Std B" panose="020B0800000000000000" pitchFamily="34" charset="-128"/>
+            </a:endParaRPr>
+          </a:p>
+        </p:txBody>
+      </p:sp>
       <p:pic>
         <p:nvPicPr>
-          <p:cNvPr id="2" name="Picture 1"/>
-          <p:cNvPicPr/>
+          <p:cNvPr id="2" name="Picture 1">
+            <a:extLst>
+              <a:ext uri="{FF2B5EF4-FFF2-40B4-BE49-F238E27FC236}">
+                <a16:creationId xmlns:a16="http://schemas.microsoft.com/office/drawing/2014/main" id="{490E03C8-0240-4E72-AE7B-E124312FD063}"/>
+              </a:ext>
+            </a:extLst>
+          </p:cNvPr>
+          <p:cNvPicPr>
+            <a:picLocks noChangeAspect="1"/>
+          </p:cNvPicPr>
           <p:nvPr/>
         </p:nvPicPr>
         <p:blipFill rotWithShape="1">
           <a:blip r:embed="rId2"/>
-          <a:srcRect l="29324" t="18383" r="2252" b="36655"/>
+          <a:srcRect l="29783" t="44442" r="23369" b="10705"/>
           <a:stretch/>
         </p:blipFill>
-        <p:spPr bwMode="auto">
+        <p:spPr>
           <a:xfrm>
-            <a:off x="1129553" y="900953"/>
-            <a:ext cx="9641541" cy="4424081"/>
+            <a:off x="1119809" y="1005382"/>
+            <a:ext cx="9952382" cy="5357198"/>
           </a:xfrm>
           <a:prstGeom prst="rect">
             <a:avLst/>
           </a:prstGeom>
+        </p:spPr>
+      </p:pic>
+      <p:sp>
+        <p:nvSpPr>
+          <p:cNvPr id="5" name="Rectangle 4">
+            <a:extLst>
+              <a:ext uri="{FF2B5EF4-FFF2-40B4-BE49-F238E27FC236}">
+                <a16:creationId xmlns:a16="http://schemas.microsoft.com/office/drawing/2014/main" id="{82911D39-83B9-477D-A07E-B2726D958708}"/>
+              </a:ext>
+            </a:extLst>
+          </p:cNvPr>
+          <p:cNvSpPr/>
+          <p:nvPr/>
+        </p:nvSpPr>
+        <p:spPr>
+          <a:xfrm>
+            <a:off x="2153477" y="3052452"/>
+            <a:ext cx="834887" cy="291549"/>
+          </a:xfrm>
+          <a:prstGeom prst="rect">
+            <a:avLst/>
+          </a:prstGeom>
+          <a:noFill/>
           <a:ln>
-            <a:noFill/>
+            <a:solidFill>
+              <a:srgbClr val="FF0000"/>
+            </a:solidFill>
           </a:ln>
-          <a:extLst>
-            <a:ext uri="{53640926-AAD7-44D8-BBD7-CCE9431645EC}">
-              <a14:shadowObscured xmlns:a14="http://schemas.microsoft.com/office/drawing/2010/main"/>
-            </a:ext>
-          </a:extLst>
-        </p:spPr>
-      </p:pic>
+        </p:spPr>
+        <p:style>
+          <a:lnRef idx="2">
+            <a:schemeClr val="accent1">
+              <a:shade val="50000"/>
+            </a:schemeClr>
+          </a:lnRef>
+          <a:fillRef idx="1">
+            <a:schemeClr val="accent1"/>
+          </a:fillRef>
+          <a:effectRef idx="0">
+            <a:schemeClr val="accent1"/>
+          </a:effectRef>
+          <a:fontRef idx="minor">
+            <a:schemeClr val="lt1"/>
+          </a:fontRef>
+        </p:style>
+        <p:txBody>
+          <a:bodyPr rtlCol="0" anchor="ctr"/>
+          <a:lstStyle/>
+          <a:p>
+            <a:pPr algn="ctr"/>
+            <a:endParaRPr lang="id-ID"/>
+          </a:p>
+        </p:txBody>
+      </p:sp>
+      <p:sp>
+        <p:nvSpPr>
+          <p:cNvPr id="6" name="Rectangle 5">
+            <a:extLst>
+              <a:ext uri="{FF2B5EF4-FFF2-40B4-BE49-F238E27FC236}">
+                <a16:creationId xmlns:a16="http://schemas.microsoft.com/office/drawing/2014/main" id="{E472380A-D9BE-4E04-B976-5734D1C7345F}"/>
+              </a:ext>
+            </a:extLst>
+          </p:cNvPr>
+          <p:cNvSpPr/>
+          <p:nvPr/>
+        </p:nvSpPr>
+        <p:spPr>
+          <a:xfrm>
+            <a:off x="2034210" y="2498035"/>
+            <a:ext cx="834887" cy="291549"/>
+          </a:xfrm>
+          <a:prstGeom prst="rect">
+            <a:avLst/>
+          </a:prstGeom>
+          <a:noFill/>
+          <a:ln>
+            <a:solidFill>
+              <a:srgbClr val="FF0000"/>
+            </a:solidFill>
+          </a:ln>
+        </p:spPr>
+        <p:style>
+          <a:lnRef idx="2">
+            <a:schemeClr val="accent1">
+              <a:shade val="50000"/>
+            </a:schemeClr>
+          </a:lnRef>
+          <a:fillRef idx="1">
+            <a:schemeClr val="accent1"/>
+          </a:fillRef>
+          <a:effectRef idx="0">
+            <a:schemeClr val="accent1"/>
+          </a:effectRef>
+          <a:fontRef idx="minor">
+            <a:schemeClr val="lt1"/>
+          </a:fontRef>
+        </p:style>
+        <p:txBody>
+          <a:bodyPr rtlCol="0" anchor="ctr"/>
+          <a:lstStyle/>
+          <a:p>
+            <a:pPr algn="ctr"/>
+            <a:endParaRPr lang="id-ID"/>
+          </a:p>
+        </p:txBody>
+      </p:sp>
     </p:spTree>
     <p:extLst>
       <p:ext uri="{BB962C8B-B14F-4D97-AF65-F5344CB8AC3E}">
-        <p14:creationId xmlns:p14="http://schemas.microsoft.com/office/powerpoint/2010/main" val="1516496835"/>
+        <p14:creationId xmlns:p14="http://schemas.microsoft.com/office/powerpoint/2010/main" val="516990660"/>
       </p:ext>
     </p:extLst>
   </p:cSld>
@@ -6350,13 +6487,13 @@
         </p:nvPicPr>
         <p:blipFill rotWithShape="1">
           <a:blip r:embed="rId2"/>
-          <a:srcRect l="31346" t="18183" r="26967" b="36652"/>
+          <a:srcRect l="29324" t="18383" r="2252" b="36655"/>
           <a:stretch/>
         </p:blipFill>
         <p:spPr bwMode="auto">
           <a:xfrm>
-            <a:off x="1156447" y="766482"/>
-            <a:ext cx="9493624" cy="5325036"/>
+            <a:off x="1129552" y="948602"/>
+            <a:ext cx="9641541" cy="4424081"/>
           </a:xfrm>
           <a:prstGeom prst="rect">
             <a:avLst/>
@@ -6371,10 +6508,100 @@
           </a:extLst>
         </p:spPr>
       </p:pic>
+      <p:sp>
+        <p:nvSpPr>
+          <p:cNvPr id="3" name="TextBox 2">
+            <a:extLst>
+              <a:ext uri="{FF2B5EF4-FFF2-40B4-BE49-F238E27FC236}">
+                <a16:creationId xmlns:a16="http://schemas.microsoft.com/office/drawing/2014/main" id="{F4ACA89D-F1FE-448E-A51D-021AFD2B341D}"/>
+              </a:ext>
+            </a:extLst>
+          </p:cNvPr>
+          <p:cNvSpPr txBox="1"/>
+          <p:nvPr/>
+        </p:nvSpPr>
+        <p:spPr>
+          <a:xfrm flipH="1">
+            <a:off x="1129552" y="377733"/>
+            <a:ext cx="2673821" cy="523220"/>
+          </a:xfrm>
+          <a:prstGeom prst="rect">
+            <a:avLst/>
+          </a:prstGeom>
+          <a:noFill/>
+        </p:spPr>
+        <p:txBody>
+          <a:bodyPr wrap="square" rtlCol="0">
+            <a:spAutoFit/>
+          </a:bodyPr>
+          <a:lstStyle/>
+          <a:p>
+            <a:r>
+              <a:rPr lang="id-ID" sz="2800" dirty="0">
+                <a:latin typeface="Adobe Gothic Std B" panose="020B0800000000000000" pitchFamily="34" charset="-128"/>
+                <a:ea typeface="Adobe Gothic Std B" panose="020B0800000000000000" pitchFamily="34" charset="-128"/>
+              </a:rPr>
+              <a:t>Encapsulation</a:t>
+            </a:r>
+          </a:p>
+        </p:txBody>
+      </p:sp>
+      <p:sp>
+        <p:nvSpPr>
+          <p:cNvPr id="4" name="Rectangle 3">
+            <a:extLst>
+              <a:ext uri="{FF2B5EF4-FFF2-40B4-BE49-F238E27FC236}">
+                <a16:creationId xmlns:a16="http://schemas.microsoft.com/office/drawing/2014/main" id="{274B6347-AFDE-4BB0-9696-111C667FB062}"/>
+              </a:ext>
+            </a:extLst>
+          </p:cNvPr>
+          <p:cNvSpPr/>
+          <p:nvPr/>
+        </p:nvSpPr>
+        <p:spPr>
+          <a:xfrm>
+            <a:off x="1338470" y="2173357"/>
+            <a:ext cx="2570921" cy="1974573"/>
+          </a:xfrm>
+          <a:prstGeom prst="rect">
+            <a:avLst/>
+          </a:prstGeom>
+          <a:noFill/>
+          <a:ln>
+            <a:solidFill>
+              <a:srgbClr val="FF0000"/>
+            </a:solidFill>
+          </a:ln>
+        </p:spPr>
+        <p:style>
+          <a:lnRef idx="2">
+            <a:schemeClr val="accent1">
+              <a:shade val="50000"/>
+            </a:schemeClr>
+          </a:lnRef>
+          <a:fillRef idx="1">
+            <a:schemeClr val="accent1"/>
+          </a:fillRef>
+          <a:effectRef idx="0">
+            <a:schemeClr val="accent1"/>
+          </a:effectRef>
+          <a:fontRef idx="minor">
+            <a:schemeClr val="lt1"/>
+          </a:fontRef>
+        </p:style>
+        <p:txBody>
+          <a:bodyPr rtlCol="0" anchor="ctr"/>
+          <a:lstStyle/>
+          <a:p>
+            <a:pPr algn="ctr"/>
+            <a:endParaRPr lang="id-ID"/>
+          </a:p>
+        </p:txBody>
+      </p:sp>
     </p:spTree>
     <p:extLst>
       <p:ext uri="{BB962C8B-B14F-4D97-AF65-F5344CB8AC3E}">
-        <p14:creationId xmlns:p14="http://schemas.microsoft.com/office/powerpoint/2010/main" val="2123497203"/>
+        <p14:creationId xmlns:p14="http://schemas.microsoft.com/office/powerpoint/2010/main" val="1516496835"/>
       </p:ext>
     </p:extLst>
   </p:cSld>
@@ -6447,16 +6674,12 @@
           <a:lstStyle/>
           <a:p>
             <a:r>
-              <a:rPr lang="en-US" sz="2400" dirty="0" smtClean="0">
+              <a:rPr lang="en-US" sz="2400" dirty="0">
                 <a:latin typeface="Franklin Gothic Heavy" panose="020B0903020102020204" pitchFamily="34" charset="0"/>
                 <a:ea typeface="Adobe Gothic Std B" panose="020B0800000000000000" pitchFamily="34" charset="-128"/>
               </a:rPr>
               <a:t>Throws</a:t>
             </a:r>
-            <a:endParaRPr lang="en-US" sz="2400" dirty="0">
-              <a:latin typeface="Franklin Gothic Heavy" panose="020B0903020102020204" pitchFamily="34" charset="0"/>
-              <a:ea typeface="Adobe Gothic Std B" panose="020B0800000000000000" pitchFamily="34" charset="-128"/>
-            </a:endParaRPr>
           </a:p>
         </p:txBody>
       </p:sp>
@@ -6582,32 +6805,161 @@
           <a:chExt cx="0" cy="0"/>
         </a:xfrm>
       </p:grpSpPr>
-      <p:pic>
-        <p:nvPicPr>
-          <p:cNvPr id="2" name="Picture 1"/>
-          <p:cNvPicPr/>
+      <p:sp>
+        <p:nvSpPr>
+          <p:cNvPr id="5" name="TextBox 4">
+            <a:extLst>
+              <a:ext uri="{FF2B5EF4-FFF2-40B4-BE49-F238E27FC236}">
+                <a16:creationId xmlns:a16="http://schemas.microsoft.com/office/drawing/2014/main" id="{04343FC9-902E-49D3-81DF-D7ED7CF89BB9}"/>
+              </a:ext>
+            </a:extLst>
+          </p:cNvPr>
+          <p:cNvSpPr txBox="1"/>
           <p:nvPr/>
-        </p:nvPicPr>
-        <p:blipFill>
-          <a:blip r:embed="rId2"/>
-          <a:stretch>
-            <a:fillRect/>
-          </a:stretch>
-        </p:blipFill>
+        </p:nvSpPr>
         <p:spPr>
           <a:xfrm>
-            <a:off x="1479176" y="766481"/>
-            <a:ext cx="9170894" cy="5298141"/>
+            <a:off x="596348" y="530087"/>
+            <a:ext cx="45719" cy="369332"/>
           </a:xfrm>
           <a:prstGeom prst="rect">
             <a:avLst/>
           </a:prstGeom>
+          <a:noFill/>
+        </p:spPr>
+        <p:txBody>
+          <a:bodyPr wrap="square" rtlCol="0">
+            <a:spAutoFit/>
+          </a:bodyPr>
+          <a:lstStyle/>
+          <a:p>
+            <a:endParaRPr lang="id-ID" dirty="0"/>
+          </a:p>
+        </p:txBody>
+      </p:sp>
+      <p:sp>
+        <p:nvSpPr>
+          <p:cNvPr id="6" name="TextBox 5">
+            <a:extLst>
+              <a:ext uri="{FF2B5EF4-FFF2-40B4-BE49-F238E27FC236}">
+                <a16:creationId xmlns:a16="http://schemas.microsoft.com/office/drawing/2014/main" id="{EA980664-E948-467B-BB4C-ACD3B21282E1}"/>
+              </a:ext>
+            </a:extLst>
+          </p:cNvPr>
+          <p:cNvSpPr txBox="1"/>
+          <p:nvPr/>
+        </p:nvSpPr>
+        <p:spPr>
+          <a:xfrm flipH="1">
+            <a:off x="1129551" y="377733"/>
+            <a:ext cx="3781041" cy="523220"/>
+          </a:xfrm>
+          <a:prstGeom prst="rect">
+            <a:avLst/>
+          </a:prstGeom>
+          <a:noFill/>
+        </p:spPr>
+        <p:txBody>
+          <a:bodyPr wrap="square" rtlCol="0">
+            <a:spAutoFit/>
+          </a:bodyPr>
+          <a:lstStyle/>
+          <a:p>
+            <a:r>
+              <a:rPr lang="id-ID" sz="2800" dirty="0">
+                <a:latin typeface="Adobe Gothic Std B" panose="020B0800000000000000" pitchFamily="34" charset="-128"/>
+                <a:ea typeface="Adobe Gothic Std B" panose="020B0800000000000000" pitchFamily="34" charset="-128"/>
+              </a:rPr>
+              <a:t>Constructor</a:t>
+            </a:r>
+          </a:p>
+        </p:txBody>
+      </p:sp>
+      <p:pic>
+        <p:nvPicPr>
+          <p:cNvPr id="2" name="Picture 1">
+            <a:extLst>
+              <a:ext uri="{FF2B5EF4-FFF2-40B4-BE49-F238E27FC236}">
+                <a16:creationId xmlns:a16="http://schemas.microsoft.com/office/drawing/2014/main" id="{DBC1F171-A041-4CD3-B874-31AC645F5FD9}"/>
+              </a:ext>
+            </a:extLst>
+          </p:cNvPr>
+          <p:cNvPicPr>
+            <a:picLocks noChangeAspect="1"/>
+          </p:cNvPicPr>
+          <p:nvPr/>
+        </p:nvPicPr>
+        <p:blipFill rotWithShape="1">
+          <a:blip r:embed="rId2"/>
+          <a:srcRect l="29505" t="31970" r="21680" b="12060"/>
+          <a:stretch/>
+        </p:blipFill>
+        <p:spPr>
+          <a:xfrm>
+            <a:off x="1808256" y="899419"/>
+            <a:ext cx="8833240" cy="5694224"/>
+          </a:xfrm>
+          <a:prstGeom prst="rect">
+            <a:avLst/>
+          </a:prstGeom>
         </p:spPr>
       </p:pic>
+      <p:sp>
+        <p:nvSpPr>
+          <p:cNvPr id="3" name="Rectangle 2">
+            <a:extLst>
+              <a:ext uri="{FF2B5EF4-FFF2-40B4-BE49-F238E27FC236}">
+                <a16:creationId xmlns:a16="http://schemas.microsoft.com/office/drawing/2014/main" id="{213229B3-CBB5-4A6C-945E-C4D310D149A2}"/>
+              </a:ext>
+            </a:extLst>
+          </p:cNvPr>
+          <p:cNvSpPr/>
+          <p:nvPr/>
+        </p:nvSpPr>
+        <p:spPr>
+          <a:xfrm>
+            <a:off x="2186609" y="4306958"/>
+            <a:ext cx="3021495" cy="318052"/>
+          </a:xfrm>
+          <a:prstGeom prst="rect">
+            <a:avLst/>
+          </a:prstGeom>
+          <a:noFill/>
+          <a:ln>
+            <a:solidFill>
+              <a:srgbClr val="FF0000"/>
+            </a:solidFill>
+          </a:ln>
+        </p:spPr>
+        <p:style>
+          <a:lnRef idx="2">
+            <a:schemeClr val="accent1">
+              <a:shade val="50000"/>
+            </a:schemeClr>
+          </a:lnRef>
+          <a:fillRef idx="1">
+            <a:schemeClr val="accent1"/>
+          </a:fillRef>
+          <a:effectRef idx="0">
+            <a:schemeClr val="accent1"/>
+          </a:effectRef>
+          <a:fontRef idx="minor">
+            <a:schemeClr val="lt1"/>
+          </a:fontRef>
+        </p:style>
+        <p:txBody>
+          <a:bodyPr rtlCol="0" anchor="ctr"/>
+          <a:lstStyle/>
+          <a:p>
+            <a:pPr algn="ctr"/>
+            <a:endParaRPr lang="id-ID"/>
+          </a:p>
+        </p:txBody>
+      </p:sp>
     </p:spTree>
     <p:extLst>
       <p:ext uri="{BB962C8B-B14F-4D97-AF65-F5344CB8AC3E}">
-        <p14:creationId xmlns:p14="http://schemas.microsoft.com/office/powerpoint/2010/main" val="4110727598"/>
+        <p14:creationId xmlns:p14="http://schemas.microsoft.com/office/powerpoint/2010/main" val="181159927"/>
       </p:ext>
     </p:extLst>
   </p:cSld>
